--- a/Project 4.pptx
+++ b/Project 4.pptx
@@ -7,15 +7,18 @@
   <p:sldIdLst>
     <p:sldId id="266" r:id="rId5"/>
     <p:sldId id="308" r:id="rId6"/>
-    <p:sldId id="309" r:id="rId7"/>
-    <p:sldId id="310" r:id="rId8"/>
-    <p:sldId id="314" r:id="rId9"/>
-    <p:sldId id="315" r:id="rId10"/>
-    <p:sldId id="312" r:id="rId11"/>
-    <p:sldId id="311" r:id="rId12"/>
-    <p:sldId id="316" r:id="rId13"/>
-    <p:sldId id="317" r:id="rId14"/>
-    <p:sldId id="313" r:id="rId15"/>
+    <p:sldId id="318" r:id="rId7"/>
+    <p:sldId id="320" r:id="rId8"/>
+    <p:sldId id="319" r:id="rId9"/>
+    <p:sldId id="309" r:id="rId10"/>
+    <p:sldId id="310" r:id="rId11"/>
+    <p:sldId id="314" r:id="rId12"/>
+    <p:sldId id="315" r:id="rId13"/>
+    <p:sldId id="312" r:id="rId14"/>
+    <p:sldId id="311" r:id="rId15"/>
+    <p:sldId id="316" r:id="rId16"/>
+    <p:sldId id="317" r:id="rId17"/>
+    <p:sldId id="313" r:id="rId18"/>
   </p:sldIdLst>
   <p:sldSz cx="12192000" cy="6858000"/>
   <p:notesSz cx="6858000" cy="9144000"/>
@@ -6603,6 +6606,342 @@
 <file path=ppt/slides/slide10.xml><?xml version="1.0" encoding="utf-8"?>
 <p:sld xmlns:a="http://schemas.openxmlformats.org/drawingml/2006/main" xmlns:r="http://schemas.openxmlformats.org/officeDocument/2006/relationships" xmlns:p="http://schemas.openxmlformats.org/presentationml/2006/main">
   <p:cSld>
+    <p:bg>
+      <p:bgPr>
+        <a:solidFill>
+          <a:schemeClr val="bg1"/>
+        </a:solidFill>
+        <a:effectLst/>
+      </p:bgPr>
+    </p:bg>
+    <p:spTree>
+      <p:nvGrpSpPr>
+        <p:cNvPr id="1" name=""/>
+        <p:cNvGrpSpPr/>
+        <p:nvPr/>
+      </p:nvGrpSpPr>
+      <p:grpSpPr>
+        <a:xfrm>
+          <a:off x="0" y="0"/>
+          <a:ext cx="0" cy="0"/>
+          <a:chOff x="0" y="0"/>
+          <a:chExt cx="0" cy="0"/>
+        </a:xfrm>
+      </p:grpSpPr>
+      <p:sp>
+        <p:nvSpPr>
+          <p:cNvPr id="2" name="Title 1">
+            <a:extLst>
+              <a:ext uri="{FF2B5EF4-FFF2-40B4-BE49-F238E27FC236}">
+                <a16:creationId xmlns:a16="http://schemas.microsoft.com/office/drawing/2014/main" id="{66A47F5C-50EC-416A-AE8C-6F6BB4225673}"/>
+              </a:ext>
+            </a:extLst>
+          </p:cNvPr>
+          <p:cNvSpPr>
+            <a:spLocks noGrp="1"/>
+          </p:cNvSpPr>
+          <p:nvPr>
+            <p:ph type="title"/>
+          </p:nvPr>
+        </p:nvSpPr>
+        <p:spPr>
+          <a:xfrm>
+            <a:off x="1097280" y="286603"/>
+            <a:ext cx="10058400" cy="1450757"/>
+          </a:xfrm>
+        </p:spPr>
+        <p:txBody>
+          <a:bodyPr>
+            <a:normAutofit/>
+          </a:bodyPr>
+          <a:lstStyle/>
+          <a:p>
+            <a:r>
+              <a:rPr lang="en-US" dirty="0"/>
+              <a:t>CPI</a:t>
+            </a:r>
+          </a:p>
+        </p:txBody>
+      </p:sp>
+      <p:sp>
+        <p:nvSpPr>
+          <p:cNvPr id="5" name="Content Placeholder 4">
+            <a:extLst>
+              <a:ext uri="{FF2B5EF4-FFF2-40B4-BE49-F238E27FC236}">
+                <a16:creationId xmlns:a16="http://schemas.microsoft.com/office/drawing/2014/main" id="{C8471725-2605-C39D-7AE4-631A7B4910A7}"/>
+              </a:ext>
+            </a:extLst>
+          </p:cNvPr>
+          <p:cNvSpPr>
+            <a:spLocks noGrp="1"/>
+          </p:cNvSpPr>
+          <p:nvPr>
+            <p:ph idx="1"/>
+          </p:nvPr>
+        </p:nvSpPr>
+        <p:spPr/>
+        <p:txBody>
+          <a:bodyPr>
+            <a:normAutofit/>
+          </a:bodyPr>
+          <a:lstStyle/>
+          <a:p>
+            <a:r>
+              <a:rPr lang="en-AU" b="0" i="0" dirty="0">
+                <a:solidFill>
+                  <a:srgbClr val="222222"/>
+                </a:solidFill>
+                <a:effectLst/>
+                <a:latin typeface="Open Sans" panose="020B0606030504020204" pitchFamily="34" charset="0"/>
+              </a:rPr>
+              <a:t>The Consumer Price Index (CPI) measures household inflation and includes statistics about price change for categories of household expenditure.</a:t>
+            </a:r>
+          </a:p>
+          <a:p>
+            <a:r>
+              <a:rPr lang="en-AU" b="0" i="0" dirty="0">
+                <a:solidFill>
+                  <a:srgbClr val="000000"/>
+                </a:solidFill>
+                <a:effectLst/>
+                <a:latin typeface="Open Sans" panose="020B0606030504020204" pitchFamily="34" charset="0"/>
+              </a:rPr>
+              <a:t>- Over the last twelve months to the March 2023 quarter, the CPI rose 7.0%.</a:t>
+            </a:r>
+          </a:p>
+          <a:p>
+            <a:endParaRPr lang="en-AU" b="0" i="0" dirty="0">
+              <a:solidFill>
+                <a:srgbClr val="000000"/>
+              </a:solidFill>
+              <a:effectLst/>
+              <a:latin typeface="Open Sans" panose="020B0606030504020204" pitchFamily="34" charset="0"/>
+            </a:endParaRPr>
+          </a:p>
+        </p:txBody>
+      </p:sp>
+    </p:spTree>
+    <p:extLst>
+      <p:ext uri="{BB962C8B-B14F-4D97-AF65-F5344CB8AC3E}">
+        <p14:creationId xmlns:p14="http://schemas.microsoft.com/office/powerpoint/2010/main" val="319949841"/>
+      </p:ext>
+    </p:extLst>
+  </p:cSld>
+  <p:clrMapOvr>
+    <a:masterClrMapping/>
+  </p:clrMapOvr>
+</p:sld>
+</file>
+
+<file path=ppt/slides/slide11.xml><?xml version="1.0" encoding="utf-8"?>
+<p:sld xmlns:a="http://schemas.openxmlformats.org/drawingml/2006/main" xmlns:r="http://schemas.openxmlformats.org/officeDocument/2006/relationships" xmlns:p="http://schemas.openxmlformats.org/presentationml/2006/main">
+  <p:cSld>
+    <p:bg>
+      <p:bgPr>
+        <a:solidFill>
+          <a:schemeClr val="bg1"/>
+        </a:solidFill>
+        <a:effectLst/>
+      </p:bgPr>
+    </p:bg>
+    <p:spTree>
+      <p:nvGrpSpPr>
+        <p:cNvPr id="1" name=""/>
+        <p:cNvGrpSpPr/>
+        <p:nvPr/>
+      </p:nvGrpSpPr>
+      <p:grpSpPr>
+        <a:xfrm>
+          <a:off x="0" y="0"/>
+          <a:ext cx="0" cy="0"/>
+          <a:chOff x="0" y="0"/>
+          <a:chExt cx="0" cy="0"/>
+        </a:xfrm>
+      </p:grpSpPr>
+      <p:sp>
+        <p:nvSpPr>
+          <p:cNvPr id="2" name="Title 1">
+            <a:extLst>
+              <a:ext uri="{FF2B5EF4-FFF2-40B4-BE49-F238E27FC236}">
+                <a16:creationId xmlns:a16="http://schemas.microsoft.com/office/drawing/2014/main" id="{66A47F5C-50EC-416A-AE8C-6F6BB4225673}"/>
+              </a:ext>
+            </a:extLst>
+          </p:cNvPr>
+          <p:cNvSpPr>
+            <a:spLocks noGrp="1"/>
+          </p:cNvSpPr>
+          <p:nvPr>
+            <p:ph type="title"/>
+          </p:nvPr>
+        </p:nvSpPr>
+        <p:spPr>
+          <a:xfrm>
+            <a:off x="1097280" y="286603"/>
+            <a:ext cx="10058400" cy="1450757"/>
+          </a:xfrm>
+        </p:spPr>
+        <p:txBody>
+          <a:bodyPr>
+            <a:normAutofit/>
+          </a:bodyPr>
+          <a:lstStyle/>
+          <a:p>
+            <a:r>
+              <a:rPr lang="en-US" dirty="0"/>
+              <a:t>CPI</a:t>
+            </a:r>
+          </a:p>
+        </p:txBody>
+      </p:sp>
+      <p:sp>
+        <p:nvSpPr>
+          <p:cNvPr id="5" name="Content Placeholder 4">
+            <a:extLst>
+              <a:ext uri="{FF2B5EF4-FFF2-40B4-BE49-F238E27FC236}">
+                <a16:creationId xmlns:a16="http://schemas.microsoft.com/office/drawing/2014/main" id="{C8471725-2605-C39D-7AE4-631A7B4910A7}"/>
+              </a:ext>
+            </a:extLst>
+          </p:cNvPr>
+          <p:cNvSpPr>
+            <a:spLocks noGrp="1"/>
+          </p:cNvSpPr>
+          <p:nvPr>
+            <p:ph idx="1"/>
+          </p:nvPr>
+        </p:nvSpPr>
+        <p:spPr/>
+        <p:txBody>
+          <a:bodyPr>
+            <a:normAutofit/>
+          </a:bodyPr>
+          <a:lstStyle/>
+          <a:p>
+            <a:r>
+              <a:rPr lang="en-AU" dirty="0"/>
+              <a:t>- </a:t>
+            </a:r>
+            <a:r>
+              <a:rPr lang="en-AU" b="0" i="0" dirty="0">
+                <a:solidFill>
+                  <a:srgbClr val="000000"/>
+                </a:solidFill>
+                <a:effectLst/>
+                <a:latin typeface="Open Sans" panose="020B0606030504020204" pitchFamily="34" charset="0"/>
+              </a:rPr>
+              <a:t>Annual CPI inflation was 7.0 per cent in the March quarter, down from a 30 year high of 7.8 per cent in the December quarter. While prices continue to rise for most goods and services, these rises have moderated in the most recent quarter, resulting in lower annual inflation, than the previous quarter. </a:t>
+            </a:r>
+          </a:p>
+          <a:p>
+            <a:r>
+              <a:rPr lang="en-AU" dirty="0"/>
+              <a:t>(Tableau graph to demonstrate trend)</a:t>
+            </a:r>
+          </a:p>
+        </p:txBody>
+      </p:sp>
+    </p:spTree>
+    <p:extLst>
+      <p:ext uri="{BB962C8B-B14F-4D97-AF65-F5344CB8AC3E}">
+        <p14:creationId xmlns:p14="http://schemas.microsoft.com/office/powerpoint/2010/main" val="2032595057"/>
+      </p:ext>
+    </p:extLst>
+  </p:cSld>
+  <p:clrMapOvr>
+    <a:masterClrMapping/>
+  </p:clrMapOvr>
+</p:sld>
+</file>
+
+<file path=ppt/slides/slide12.xml><?xml version="1.0" encoding="utf-8"?>
+<p:sld xmlns:a="http://schemas.openxmlformats.org/drawingml/2006/main" xmlns:r="http://schemas.openxmlformats.org/officeDocument/2006/relationships" xmlns:p="http://schemas.openxmlformats.org/presentationml/2006/main">
+  <p:cSld>
+    <p:spTree>
+      <p:nvGrpSpPr>
+        <p:cNvPr id="1" name=""/>
+        <p:cNvGrpSpPr/>
+        <p:nvPr/>
+      </p:nvGrpSpPr>
+      <p:grpSpPr>
+        <a:xfrm>
+          <a:off x="0" y="0"/>
+          <a:ext cx="0" cy="0"/>
+          <a:chOff x="0" y="0"/>
+          <a:chExt cx="0" cy="0"/>
+        </a:xfrm>
+      </p:grpSpPr>
+      <p:sp>
+        <p:nvSpPr>
+          <p:cNvPr id="2" name="Title 1">
+            <a:extLst>
+              <a:ext uri="{FF2B5EF4-FFF2-40B4-BE49-F238E27FC236}">
+                <a16:creationId xmlns:a16="http://schemas.microsoft.com/office/drawing/2014/main" id="{E1730340-F7BD-9393-C591-2D4EE2AF5257}"/>
+              </a:ext>
+            </a:extLst>
+          </p:cNvPr>
+          <p:cNvSpPr>
+            <a:spLocks noGrp="1"/>
+          </p:cNvSpPr>
+          <p:nvPr>
+            <p:ph type="title"/>
+          </p:nvPr>
+        </p:nvSpPr>
+        <p:spPr/>
+        <p:txBody>
+          <a:bodyPr/>
+          <a:lstStyle/>
+          <a:p>
+            <a:r>
+              <a:rPr lang="en-AU" dirty="0"/>
+              <a:t>CPI	</a:t>
+            </a:r>
+          </a:p>
+        </p:txBody>
+      </p:sp>
+      <p:pic>
+        <p:nvPicPr>
+          <p:cNvPr id="5" name="Content Placeholder 4">
+            <a:extLst>
+              <a:ext uri="{FF2B5EF4-FFF2-40B4-BE49-F238E27FC236}">
+                <a16:creationId xmlns:a16="http://schemas.microsoft.com/office/drawing/2014/main" id="{0B5CC53E-3732-E800-EAEB-2472BEF6004E}"/>
+              </a:ext>
+            </a:extLst>
+          </p:cNvPr>
+          <p:cNvPicPr>
+            <a:picLocks noGrp="1" noChangeAspect="1"/>
+          </p:cNvPicPr>
+          <p:nvPr>
+            <p:ph idx="1"/>
+          </p:nvPr>
+        </p:nvPicPr>
+        <p:blipFill>
+          <a:blip r:embed="rId2"/>
+          <a:stretch>
+            <a:fillRect/>
+          </a:stretch>
+        </p:blipFill>
+        <p:spPr>
+          <a:xfrm>
+            <a:off x="3086951" y="2099811"/>
+            <a:ext cx="6018098" cy="3760788"/>
+          </a:xfrm>
+        </p:spPr>
+      </p:pic>
+    </p:spTree>
+    <p:extLst>
+      <p:ext uri="{BB962C8B-B14F-4D97-AF65-F5344CB8AC3E}">
+        <p14:creationId xmlns:p14="http://schemas.microsoft.com/office/powerpoint/2010/main" val="1694272229"/>
+      </p:ext>
+    </p:extLst>
+  </p:cSld>
+  <p:clrMapOvr>
+    <a:masterClrMapping/>
+  </p:clrMapOvr>
+</p:sld>
+</file>
+
+<file path=ppt/slides/slide13.xml><?xml version="1.0" encoding="utf-8"?>
+<p:sld xmlns:a="http://schemas.openxmlformats.org/drawingml/2006/main" xmlns:r="http://schemas.openxmlformats.org/officeDocument/2006/relationships" xmlns:p="http://schemas.openxmlformats.org/presentationml/2006/main">
+  <p:cSld>
     <p:spTree>
       <p:nvGrpSpPr>
         <p:cNvPr id="1" name=""/>
@@ -6687,7 +7026,7 @@
 </p:sld>
 </file>
 
-<file path=ppt/slides/slide11.xml><?xml version="1.0" encoding="utf-8"?>
+<file path=ppt/slides/slide14.xml><?xml version="1.0" encoding="utf-8"?>
 <p:sld xmlns:a="http://schemas.openxmlformats.org/drawingml/2006/main" xmlns:r="http://schemas.openxmlformats.org/officeDocument/2006/relationships" xmlns:p="http://schemas.openxmlformats.org/presentationml/2006/main">
   <p:cSld>
     <p:spTree>
@@ -6761,7 +7100,7 @@
           <a:p>
             <a:r>
               <a:rPr lang="en-AU" dirty="0"/>
-              <a:t>- I failed to compare the model I made to another, however the particularly high F-1 score of 0.96. The model will correctly predict the high risk loan 96% of the time. and will misclassify them as low risk ~4% of the time. </a:t>
+              <a:t>- I failed to compare the model I made to another, however the particularly high F-1 score of 0.96. The model will correctly predict the percentage change 96% of the time. and will misclassify them as low risk ~4% of the time. </a:t>
             </a:r>
           </a:p>
         </p:txBody>
@@ -6939,14 +7278,6 @@
 <file path=ppt/slides/slide3.xml><?xml version="1.0" encoding="utf-8"?>
 <p:sld xmlns:a="http://schemas.openxmlformats.org/drawingml/2006/main" xmlns:r="http://schemas.openxmlformats.org/officeDocument/2006/relationships" xmlns:p="http://schemas.openxmlformats.org/presentationml/2006/main">
   <p:cSld>
-    <p:bg>
-      <p:bgPr>
-        <a:solidFill>
-          <a:schemeClr val="bg1"/>
-        </a:solidFill>
-        <a:effectLst/>
-      </p:bgPr>
-    </p:bg>
     <p:spTree>
       <p:nvGrpSpPr>
         <p:cNvPr id="1" name=""/>
@@ -6966,7 +7297,117 @@
           <p:cNvPr id="2" name="Title 1">
             <a:extLst>
               <a:ext uri="{FF2B5EF4-FFF2-40B4-BE49-F238E27FC236}">
-                <a16:creationId xmlns:a16="http://schemas.microsoft.com/office/drawing/2014/main" id="{66A47F5C-50EC-416A-AE8C-6F6BB4225673}"/>
+                <a16:creationId xmlns:a16="http://schemas.microsoft.com/office/drawing/2014/main" id="{41B54F88-0E2F-DB25-7310-F1B357389DE2}"/>
+              </a:ext>
+            </a:extLst>
+          </p:cNvPr>
+          <p:cNvSpPr>
+            <a:spLocks noGrp="1"/>
+          </p:cNvSpPr>
+          <p:nvPr>
+            <p:ph type="title"/>
+          </p:nvPr>
+        </p:nvSpPr>
+        <p:spPr/>
+        <p:txBody>
+          <a:bodyPr/>
+          <a:lstStyle/>
+          <a:p>
+            <a:endParaRPr lang="en-AU"/>
+          </a:p>
+        </p:txBody>
+      </p:sp>
+      <p:sp>
+        <p:nvSpPr>
+          <p:cNvPr id="3" name="Content Placeholder 2">
+            <a:extLst>
+              <a:ext uri="{FF2B5EF4-FFF2-40B4-BE49-F238E27FC236}">
+                <a16:creationId xmlns:a16="http://schemas.microsoft.com/office/drawing/2014/main" id="{1DF97E88-2968-8D83-BBA1-439F2C056890}"/>
+              </a:ext>
+            </a:extLst>
+          </p:cNvPr>
+          <p:cNvSpPr>
+            <a:spLocks noGrp="1"/>
+          </p:cNvSpPr>
+          <p:nvPr>
+            <p:ph idx="1"/>
+          </p:nvPr>
+        </p:nvSpPr>
+        <p:spPr/>
+        <p:txBody>
+          <a:bodyPr/>
+          <a:lstStyle/>
+          <a:p>
+            <a:endParaRPr lang="en-AU"/>
+          </a:p>
+        </p:txBody>
+      </p:sp>
+      <p:pic>
+        <p:nvPicPr>
+          <p:cNvPr id="5" name="Picture 4">
+            <a:extLst>
+              <a:ext uri="{FF2B5EF4-FFF2-40B4-BE49-F238E27FC236}">
+                <a16:creationId xmlns:a16="http://schemas.microsoft.com/office/drawing/2014/main" id="{A49DD3C2-357F-2678-9914-1A1794FDA302}"/>
+              </a:ext>
+            </a:extLst>
+          </p:cNvPr>
+          <p:cNvPicPr>
+            <a:picLocks noChangeAspect="1"/>
+          </p:cNvPicPr>
+          <p:nvPr/>
+        </p:nvPicPr>
+        <p:blipFill>
+          <a:blip r:embed="rId2"/>
+          <a:stretch>
+            <a:fillRect/>
+          </a:stretch>
+        </p:blipFill>
+        <p:spPr>
+          <a:xfrm>
+            <a:off x="0" y="14910"/>
+            <a:ext cx="12218626" cy="6843090"/>
+          </a:xfrm>
+          <a:prstGeom prst="rect">
+            <a:avLst/>
+          </a:prstGeom>
+        </p:spPr>
+      </p:pic>
+    </p:spTree>
+    <p:extLst>
+      <p:ext uri="{BB962C8B-B14F-4D97-AF65-F5344CB8AC3E}">
+        <p14:creationId xmlns:p14="http://schemas.microsoft.com/office/powerpoint/2010/main" val="2071112848"/>
+      </p:ext>
+    </p:extLst>
+  </p:cSld>
+  <p:clrMapOvr>
+    <a:masterClrMapping/>
+  </p:clrMapOvr>
+</p:sld>
+</file>
+
+<file path=ppt/slides/slide4.xml><?xml version="1.0" encoding="utf-8"?>
+<p:sld xmlns:a="http://schemas.openxmlformats.org/drawingml/2006/main" xmlns:r="http://schemas.openxmlformats.org/officeDocument/2006/relationships" xmlns:p="http://schemas.openxmlformats.org/presentationml/2006/main">
+  <p:cSld>
+    <p:spTree>
+      <p:nvGrpSpPr>
+        <p:cNvPr id="1" name=""/>
+        <p:cNvGrpSpPr/>
+        <p:nvPr/>
+      </p:nvGrpSpPr>
+      <p:grpSpPr>
+        <a:xfrm>
+          <a:off x="0" y="0"/>
+          <a:ext cx="0" cy="0"/>
+          <a:chOff x="0" y="0"/>
+          <a:chExt cx="0" cy="0"/>
+        </a:xfrm>
+      </p:grpSpPr>
+      <p:sp>
+        <p:nvSpPr>
+          <p:cNvPr id="2" name="Title 1">
+            <a:extLst>
+              <a:ext uri="{FF2B5EF4-FFF2-40B4-BE49-F238E27FC236}">
+                <a16:creationId xmlns:a16="http://schemas.microsoft.com/office/drawing/2014/main" id="{A672D10B-A4FC-2330-E7F4-0F7BC25C0F20}"/>
               </a:ext>
             </a:extLst>
           </p:cNvPr>
@@ -6979,29 +7420,27 @@
         </p:nvSpPr>
         <p:spPr>
           <a:xfrm>
-            <a:off x="1097280" y="286603"/>
-            <a:ext cx="10058400" cy="1450757"/>
+            <a:off x="4572000" y="286603"/>
+            <a:ext cx="3461657" cy="791237"/>
           </a:xfrm>
         </p:spPr>
         <p:txBody>
-          <a:bodyPr>
-            <a:normAutofit/>
-          </a:bodyPr>
+          <a:bodyPr/>
           <a:lstStyle/>
           <a:p>
             <a:r>
-              <a:rPr lang="en-US" dirty="0"/>
-              <a:t>WPI</a:t>
+              <a:rPr lang="en-AU" dirty="0"/>
+              <a:t>Large data set</a:t>
             </a:r>
           </a:p>
         </p:txBody>
       </p:sp>
       <p:sp>
         <p:nvSpPr>
-          <p:cNvPr id="5" name="Content Placeholder 4">
+          <p:cNvPr id="3" name="Content Placeholder 2">
             <a:extLst>
               <a:ext uri="{FF2B5EF4-FFF2-40B4-BE49-F238E27FC236}">
-                <a16:creationId xmlns:a16="http://schemas.microsoft.com/office/drawing/2014/main" id="{C8471725-2605-C39D-7AE4-631A7B4910A7}"/>
+                <a16:creationId xmlns:a16="http://schemas.microsoft.com/office/drawing/2014/main" id="{12E95B3C-4C90-BDE4-4C79-983E4D48BA17}"/>
               </a:ext>
             </a:extLst>
           </p:cNvPr>
@@ -7014,95 +7453,289 @@
         </p:nvSpPr>
         <p:spPr/>
         <p:txBody>
-          <a:bodyPr>
-            <a:normAutofit/>
+          <a:bodyPr/>
+          <a:lstStyle/>
+          <a:p>
+            <a:endParaRPr lang="en-AU" dirty="0"/>
+          </a:p>
+        </p:txBody>
+      </p:sp>
+      <p:pic>
+        <p:nvPicPr>
+          <p:cNvPr id="5" name="Picture 4">
+            <a:extLst>
+              <a:ext uri="{FF2B5EF4-FFF2-40B4-BE49-F238E27FC236}">
+                <a16:creationId xmlns:a16="http://schemas.microsoft.com/office/drawing/2014/main" id="{9DEC08EE-5D3D-01E2-CE6B-F54C85E7EC4E}"/>
+              </a:ext>
+            </a:extLst>
+          </p:cNvPr>
+          <p:cNvPicPr>
+            <a:picLocks noChangeAspect="1"/>
+          </p:cNvPicPr>
+          <p:nvPr/>
+        </p:nvPicPr>
+        <p:blipFill>
+          <a:blip r:embed="rId2"/>
+          <a:stretch>
+            <a:fillRect/>
+          </a:stretch>
+        </p:blipFill>
+        <p:spPr>
+          <a:xfrm>
+            <a:off x="0" y="1309649"/>
+            <a:ext cx="12192000" cy="3504947"/>
+          </a:xfrm>
+          <a:prstGeom prst="rect">
+            <a:avLst/>
+          </a:prstGeom>
+        </p:spPr>
+      </p:pic>
+      <p:sp>
+        <p:nvSpPr>
+          <p:cNvPr id="7" name="Rectangle 6">
+            <a:extLst>
+              <a:ext uri="{FF2B5EF4-FFF2-40B4-BE49-F238E27FC236}">
+                <a16:creationId xmlns:a16="http://schemas.microsoft.com/office/drawing/2014/main" id="{DCC80DFE-33DC-97A0-00FA-64D993D62231}"/>
+              </a:ext>
+            </a:extLst>
+          </p:cNvPr>
+          <p:cNvSpPr/>
+          <p:nvPr/>
+        </p:nvSpPr>
+        <p:spPr>
+          <a:xfrm>
+            <a:off x="807396" y="2898843"/>
+            <a:ext cx="10348284" cy="1536970"/>
+          </a:xfrm>
+          <a:prstGeom prst="rect">
+            <a:avLst/>
+          </a:prstGeom>
+        </p:spPr>
+        <p:style>
+          <a:lnRef idx="2">
+            <a:schemeClr val="accent1">
+              <a:shade val="50000"/>
+            </a:schemeClr>
+          </a:lnRef>
+          <a:fillRef idx="1">
+            <a:schemeClr val="accent1"/>
+          </a:fillRef>
+          <a:effectRef idx="0">
+            <a:schemeClr val="accent1"/>
+          </a:effectRef>
+          <a:fontRef idx="minor">
+            <a:schemeClr val="lt1"/>
+          </a:fontRef>
+        </p:style>
+        <p:txBody>
+          <a:bodyPr rtlCol="0" anchor="ctr"/>
+          <a:lstStyle/>
+          <a:p>
+            <a:pPr algn="ctr"/>
+            <a:endParaRPr lang="en-AU"/>
+          </a:p>
+        </p:txBody>
+      </p:sp>
+      <p:cxnSp>
+        <p:nvCxnSpPr>
+          <p:cNvPr id="9" name="Straight Connector 8">
+            <a:extLst>
+              <a:ext uri="{FF2B5EF4-FFF2-40B4-BE49-F238E27FC236}">
+                <a16:creationId xmlns:a16="http://schemas.microsoft.com/office/drawing/2014/main" id="{778FF765-8076-D2BA-2CB9-28A293FDC418}"/>
+              </a:ext>
+            </a:extLst>
+          </p:cNvPr>
+          <p:cNvCxnSpPr>
+            <a:cxnSpLocks/>
+          </p:cNvCxnSpPr>
+          <p:nvPr/>
+        </p:nvCxnSpPr>
+        <p:spPr>
+          <a:xfrm>
+            <a:off x="4348065" y="1436914"/>
+            <a:ext cx="0" cy="3377682"/>
+          </a:xfrm>
+          <a:prstGeom prst="line">
+            <a:avLst/>
+          </a:prstGeom>
+          <a:ln w="76200">
+            <a:solidFill>
+              <a:srgbClr val="FF0000"/>
+            </a:solidFill>
+          </a:ln>
+        </p:spPr>
+        <p:style>
+          <a:lnRef idx="1">
+            <a:schemeClr val="accent1"/>
+          </a:lnRef>
+          <a:fillRef idx="0">
+            <a:schemeClr val="accent1"/>
+          </a:fillRef>
+          <a:effectRef idx="0">
+            <a:schemeClr val="accent1"/>
+          </a:effectRef>
+          <a:fontRef idx="minor">
+            <a:schemeClr val="tx1"/>
+          </a:fontRef>
+        </p:style>
+      </p:cxnSp>
+      <p:cxnSp>
+        <p:nvCxnSpPr>
+          <p:cNvPr id="12" name="Straight Connector 11">
+            <a:extLst>
+              <a:ext uri="{FF2B5EF4-FFF2-40B4-BE49-F238E27FC236}">
+                <a16:creationId xmlns:a16="http://schemas.microsoft.com/office/drawing/2014/main" id="{2A0C347B-CE4F-738E-0E9E-5FF95D220F4E}"/>
+              </a:ext>
+            </a:extLst>
+          </p:cNvPr>
+          <p:cNvCxnSpPr>
+            <a:cxnSpLocks/>
+          </p:cNvCxnSpPr>
+          <p:nvPr/>
+        </p:nvCxnSpPr>
+        <p:spPr>
+          <a:xfrm>
+            <a:off x="8251372" y="1479213"/>
+            <a:ext cx="0" cy="3335383"/>
+          </a:xfrm>
+          <a:prstGeom prst="line">
+            <a:avLst/>
+          </a:prstGeom>
+          <a:ln w="76200">
+            <a:solidFill>
+              <a:srgbClr val="FF0000"/>
+            </a:solidFill>
+          </a:ln>
+        </p:spPr>
+        <p:style>
+          <a:lnRef idx="1">
+            <a:schemeClr val="accent1"/>
+          </a:lnRef>
+          <a:fillRef idx="0">
+            <a:schemeClr val="accent1"/>
+          </a:fillRef>
+          <a:effectRef idx="0">
+            <a:schemeClr val="accent1"/>
+          </a:effectRef>
+          <a:fontRef idx="minor">
+            <a:schemeClr val="tx1"/>
+          </a:fontRef>
+        </p:style>
+      </p:cxnSp>
+      <p:sp>
+        <p:nvSpPr>
+          <p:cNvPr id="13" name="TextBox 12">
+            <a:extLst>
+              <a:ext uri="{FF2B5EF4-FFF2-40B4-BE49-F238E27FC236}">
+                <a16:creationId xmlns:a16="http://schemas.microsoft.com/office/drawing/2014/main" id="{D7929747-7895-940F-0D32-E63C84AF89E5}"/>
+              </a:ext>
+            </a:extLst>
+          </p:cNvPr>
+          <p:cNvSpPr txBox="1"/>
+          <p:nvPr/>
+        </p:nvSpPr>
+        <p:spPr>
+          <a:xfrm>
+            <a:off x="1694434" y="3326554"/>
+            <a:ext cx="1664581" cy="461665"/>
+          </a:xfrm>
+          <a:prstGeom prst="rect">
+            <a:avLst/>
+          </a:prstGeom>
+          <a:noFill/>
+        </p:spPr>
+        <p:txBody>
+          <a:bodyPr wrap="square" rtlCol="0">
+            <a:spAutoFit/>
           </a:bodyPr>
           <a:lstStyle/>
           <a:p>
             <a:r>
-              <a:rPr lang="en-AU" b="0" i="0" dirty="0">
-                <a:solidFill>
-                  <a:srgbClr val="222222"/>
-                </a:solidFill>
-                <a:effectLst/>
-                <a:latin typeface="Open Sans" panose="020B0606030504020204" pitchFamily="34" charset="0"/>
-              </a:rPr>
-              <a:t>The Wage Price </a:t>
+              <a:rPr lang="en-AU" sz="2400" dirty="0"/>
+              <a:t>Price index</a:t>
+            </a:r>
+          </a:p>
+        </p:txBody>
+      </p:sp>
+      <p:sp>
+        <p:nvSpPr>
+          <p:cNvPr id="15" name="TextBox 14">
+            <a:extLst>
+              <a:ext uri="{FF2B5EF4-FFF2-40B4-BE49-F238E27FC236}">
+                <a16:creationId xmlns:a16="http://schemas.microsoft.com/office/drawing/2014/main" id="{C6F9F9E9-6A19-4E16-30D6-3E2B17A2039D}"/>
+              </a:ext>
+            </a:extLst>
+          </p:cNvPr>
+          <p:cNvSpPr txBox="1"/>
+          <p:nvPr/>
+        </p:nvSpPr>
+        <p:spPr>
+          <a:xfrm>
+            <a:off x="5091406" y="3326554"/>
+            <a:ext cx="2715208" cy="707886"/>
+          </a:xfrm>
+          <a:prstGeom prst="rect">
+            <a:avLst/>
+          </a:prstGeom>
+          <a:noFill/>
+        </p:spPr>
+        <p:txBody>
+          <a:bodyPr wrap="square" rtlCol="0">
+            <a:spAutoFit/>
+          </a:bodyPr>
+          <a:lstStyle/>
+          <a:p>
+            <a:r>
+              <a:rPr lang="en-AU" sz="2000" dirty="0"/>
+              <a:t>% change from same quarter previous year</a:t>
+            </a:r>
+          </a:p>
+        </p:txBody>
+      </p:sp>
+      <p:sp>
+        <p:nvSpPr>
+          <p:cNvPr id="16" name="TextBox 15">
+            <a:extLst>
+              <a:ext uri="{FF2B5EF4-FFF2-40B4-BE49-F238E27FC236}">
+                <a16:creationId xmlns:a16="http://schemas.microsoft.com/office/drawing/2014/main" id="{026B25DC-BB65-F1C7-FD4F-4B4A58D2F77E}"/>
+              </a:ext>
+            </a:extLst>
+          </p:cNvPr>
+          <p:cNvSpPr txBox="1"/>
+          <p:nvPr/>
+        </p:nvSpPr>
+        <p:spPr>
+          <a:xfrm>
+            <a:off x="8745895" y="3326554"/>
+            <a:ext cx="2062064" cy="707886"/>
+          </a:xfrm>
+          <a:prstGeom prst="rect">
+            <a:avLst/>
+          </a:prstGeom>
+          <a:noFill/>
+        </p:spPr>
+        <p:txBody>
+          <a:bodyPr wrap="square" rtlCol="0">
+            <a:spAutoFit/>
+          </a:bodyPr>
+          <a:lstStyle/>
+          <a:p>
+            <a:r>
+              <a:rPr lang="en-AU" sz="2000" dirty="0"/>
+              <a:t>% change from previous </a:t>
             </a:r>
             <a:r>
-              <a:rPr lang="en-AU" dirty="0">
-                <a:solidFill>
-                  <a:srgbClr val="222222"/>
-                </a:solidFill>
-                <a:latin typeface="Open Sans" panose="020B0606030504020204" pitchFamily="34" charset="0"/>
-              </a:rPr>
-              <a:t>Index</a:t>
+              <a:rPr lang="en-AU" sz="2000" dirty="0" err="1"/>
+              <a:t>quater</a:t>
             </a:r>
-            <a:r>
-              <a:rPr lang="en-AU" b="0" i="0" dirty="0">
-                <a:solidFill>
-                  <a:srgbClr val="222222"/>
-                </a:solidFill>
-                <a:effectLst/>
-                <a:latin typeface="Open Sans" panose="020B0606030504020204" pitchFamily="34" charset="0"/>
-              </a:rPr>
-              <a:t> measures changes in the price of labour, unaffected by compositional shifts in the labour force, hours worked or employee characteristics.</a:t>
-            </a:r>
-          </a:p>
-          <a:p>
-            <a:pPr algn="l"/>
-            <a:r>
-              <a:rPr lang="en-AU" b="1" i="0" dirty="0">
-                <a:solidFill>
-                  <a:srgbClr val="000000"/>
-                </a:solidFill>
-                <a:effectLst/>
-                <a:latin typeface="Open Sans" panose="020B0606030504020204" pitchFamily="34" charset="0"/>
-              </a:rPr>
-              <a:t>Key statistics</a:t>
-            </a:r>
-          </a:p>
-          <a:p>
-            <a:pPr algn="l">
-              <a:buFont typeface="Arial" panose="020B0604020202020204" pitchFamily="34" charset="0"/>
-              <a:buChar char="•"/>
-            </a:pPr>
-            <a:r>
-              <a:rPr lang="en-AU" b="0" i="0" dirty="0">
-                <a:solidFill>
-                  <a:srgbClr val="000000"/>
-                </a:solidFill>
-                <a:effectLst/>
-                <a:latin typeface="Open Sans" panose="020B0606030504020204" pitchFamily="34" charset="0"/>
-              </a:rPr>
-              <a:t>In March quarter 2023, the seasonally adjusted WPI rose 0.8% this quarter and 3.7% over the year.</a:t>
-            </a:r>
-          </a:p>
-          <a:p>
-            <a:pPr algn="l">
-              <a:buFont typeface="Arial" panose="020B0604020202020204" pitchFamily="34" charset="0"/>
-              <a:buChar char="•"/>
-            </a:pPr>
-            <a:r>
-              <a:rPr lang="en-AU" b="0" i="0" dirty="0">
-                <a:solidFill>
-                  <a:srgbClr val="000000"/>
-                </a:solidFill>
-                <a:effectLst/>
-                <a:latin typeface="Open Sans" panose="020B0606030504020204" pitchFamily="34" charset="0"/>
-              </a:rPr>
-              <a:t>The private sector rose 0.8% and the public sector rose 0.9%.</a:t>
-            </a:r>
-          </a:p>
-          <a:p>
-            <a:endParaRPr lang="en-AU" dirty="0"/>
+            <a:endParaRPr lang="en-AU" sz="2000" dirty="0"/>
           </a:p>
         </p:txBody>
       </p:sp>
     </p:spTree>
     <p:extLst>
       <p:ext uri="{BB962C8B-B14F-4D97-AF65-F5344CB8AC3E}">
-        <p14:creationId xmlns:p14="http://schemas.microsoft.com/office/powerpoint/2010/main" val="3410391663"/>
+        <p14:creationId xmlns:p14="http://schemas.microsoft.com/office/powerpoint/2010/main" val="4104520487"/>
       </p:ext>
     </p:extLst>
   </p:cSld>
@@ -7112,7 +7745,587 @@
 </p:sld>
 </file>
 
-<file path=ppt/slides/slide4.xml><?xml version="1.0" encoding="utf-8"?>
+<file path=ppt/slides/slide5.xml><?xml version="1.0" encoding="utf-8"?>
+<p:sld xmlns:a="http://schemas.openxmlformats.org/drawingml/2006/main" xmlns:r="http://schemas.openxmlformats.org/officeDocument/2006/relationships" xmlns:p="http://schemas.openxmlformats.org/presentationml/2006/main">
+  <p:cSld>
+    <p:spTree>
+      <p:nvGrpSpPr>
+        <p:cNvPr id="1" name=""/>
+        <p:cNvGrpSpPr/>
+        <p:nvPr/>
+      </p:nvGrpSpPr>
+      <p:grpSpPr>
+        <a:xfrm>
+          <a:off x="0" y="0"/>
+          <a:ext cx="0" cy="0"/>
+          <a:chOff x="0" y="0"/>
+          <a:chExt cx="0" cy="0"/>
+        </a:xfrm>
+      </p:grpSpPr>
+      <p:pic>
+        <p:nvPicPr>
+          <p:cNvPr id="4" name="Picture 3">
+            <a:extLst>
+              <a:ext uri="{FF2B5EF4-FFF2-40B4-BE49-F238E27FC236}">
+                <a16:creationId xmlns:a16="http://schemas.microsoft.com/office/drawing/2014/main" id="{0C5A4825-6BBC-6039-3AD4-469267AA2DB4}"/>
+              </a:ext>
+            </a:extLst>
+          </p:cNvPr>
+          <p:cNvPicPr>
+            <a:picLocks noChangeAspect="1"/>
+          </p:cNvPicPr>
+          <p:nvPr/>
+        </p:nvPicPr>
+        <p:blipFill>
+          <a:blip r:embed="rId2"/>
+          <a:stretch>
+            <a:fillRect/>
+          </a:stretch>
+        </p:blipFill>
+        <p:spPr>
+          <a:xfrm>
+            <a:off x="123632" y="4015606"/>
+            <a:ext cx="3677478" cy="2678411"/>
+          </a:xfrm>
+          <a:prstGeom prst="rect">
+            <a:avLst/>
+          </a:prstGeom>
+        </p:spPr>
+      </p:pic>
+      <p:sp>
+        <p:nvSpPr>
+          <p:cNvPr id="5" name="Arrow: Curved Left 4">
+            <a:extLst>
+              <a:ext uri="{FF2B5EF4-FFF2-40B4-BE49-F238E27FC236}">
+                <a16:creationId xmlns:a16="http://schemas.microsoft.com/office/drawing/2014/main" id="{140927CB-6E29-6659-CE8E-0665ED648268}"/>
+              </a:ext>
+            </a:extLst>
+          </p:cNvPr>
+          <p:cNvSpPr/>
+          <p:nvPr/>
+        </p:nvSpPr>
+        <p:spPr>
+          <a:xfrm rot="14314203">
+            <a:off x="1656080" y="93642"/>
+            <a:ext cx="1661633" cy="4112361"/>
+          </a:xfrm>
+          <a:prstGeom prst="curvedLeftArrow">
+            <a:avLst>
+              <a:gd name="adj1" fmla="val 19426"/>
+              <a:gd name="adj2" fmla="val 52954"/>
+              <a:gd name="adj3" fmla="val 33732"/>
+            </a:avLst>
+          </a:prstGeom>
+        </p:spPr>
+        <p:style>
+          <a:lnRef idx="2">
+            <a:schemeClr val="accent1">
+              <a:shade val="50000"/>
+            </a:schemeClr>
+          </a:lnRef>
+          <a:fillRef idx="1">
+            <a:schemeClr val="accent1"/>
+          </a:fillRef>
+          <a:effectRef idx="0">
+            <a:schemeClr val="accent1"/>
+          </a:effectRef>
+          <a:fontRef idx="minor">
+            <a:schemeClr val="lt1"/>
+          </a:fontRef>
+        </p:style>
+        <p:txBody>
+          <a:bodyPr rtlCol="0" anchor="ctr"/>
+          <a:lstStyle/>
+          <a:p>
+            <a:pPr algn="ctr"/>
+            <a:endParaRPr lang="en-AU">
+              <a:solidFill>
+                <a:schemeClr val="tx1"/>
+              </a:solidFill>
+            </a:endParaRPr>
+          </a:p>
+        </p:txBody>
+      </p:sp>
+      <p:sp>
+        <p:nvSpPr>
+          <p:cNvPr id="6" name="Rectangle 5">
+            <a:extLst>
+              <a:ext uri="{FF2B5EF4-FFF2-40B4-BE49-F238E27FC236}">
+                <a16:creationId xmlns:a16="http://schemas.microsoft.com/office/drawing/2014/main" id="{D41928EB-521F-4228-FC6F-3E21CFC8BD92}"/>
+              </a:ext>
+            </a:extLst>
+          </p:cNvPr>
+          <p:cNvSpPr/>
+          <p:nvPr/>
+        </p:nvSpPr>
+        <p:spPr>
+          <a:xfrm>
+            <a:off x="4152122" y="2092832"/>
+            <a:ext cx="2146041" cy="1107996"/>
+          </a:xfrm>
+          <a:prstGeom prst="rect">
+            <a:avLst/>
+          </a:prstGeom>
+          <a:noFill/>
+        </p:spPr>
+        <p:txBody>
+          <a:bodyPr wrap="square" lIns="91440" tIns="45720" rIns="91440" bIns="45720">
+            <a:spAutoFit/>
+          </a:bodyPr>
+          <a:lstStyle/>
+          <a:p>
+            <a:pPr algn="ctr"/>
+            <a:r>
+              <a:rPr lang="en-US" sz="6600" b="1" cap="none" spc="0" dirty="0">
+                <a:ln w="12700">
+                  <a:solidFill>
+                    <a:schemeClr val="tx2">
+                      <a:lumMod val="75000"/>
+                    </a:schemeClr>
+                  </a:solidFill>
+                  <a:prstDash val="solid"/>
+                </a:ln>
+                <a:pattFill prst="dkUpDiag">
+                  <a:fgClr>
+                    <a:schemeClr val="tx2"/>
+                  </a:fgClr>
+                  <a:bgClr>
+                    <a:schemeClr val="tx2">
+                      <a:lumMod val="20000"/>
+                      <a:lumOff val="80000"/>
+                    </a:schemeClr>
+                  </a:bgClr>
+                </a:pattFill>
+                <a:effectLst>
+                  <a:outerShdw dist="38100" dir="2640000" algn="bl" rotWithShape="0">
+                    <a:schemeClr val="tx2">
+                      <a:lumMod val="75000"/>
+                    </a:schemeClr>
+                  </a:outerShdw>
+                </a:effectLst>
+              </a:rPr>
+              <a:t>.CSV</a:t>
+            </a:r>
+          </a:p>
+        </p:txBody>
+      </p:sp>
+      <p:sp>
+        <p:nvSpPr>
+          <p:cNvPr id="7" name="Rectangle 6">
+            <a:extLst>
+              <a:ext uri="{FF2B5EF4-FFF2-40B4-BE49-F238E27FC236}">
+                <a16:creationId xmlns:a16="http://schemas.microsoft.com/office/drawing/2014/main" id="{4742CA55-CE17-A1E9-CD73-F7AE7FA66069}"/>
+              </a:ext>
+            </a:extLst>
+          </p:cNvPr>
+          <p:cNvSpPr/>
+          <p:nvPr/>
+        </p:nvSpPr>
+        <p:spPr>
+          <a:xfrm>
+            <a:off x="4264090" y="2092832"/>
+            <a:ext cx="2034073" cy="1107996"/>
+          </a:xfrm>
+          <a:prstGeom prst="rect">
+            <a:avLst/>
+          </a:prstGeom>
+          <a:noFill/>
+          <a:ln w="76200"/>
+        </p:spPr>
+        <p:style>
+          <a:lnRef idx="2">
+            <a:schemeClr val="accent1">
+              <a:shade val="50000"/>
+            </a:schemeClr>
+          </a:lnRef>
+          <a:fillRef idx="1">
+            <a:schemeClr val="accent1"/>
+          </a:fillRef>
+          <a:effectRef idx="0">
+            <a:schemeClr val="accent1"/>
+          </a:effectRef>
+          <a:fontRef idx="minor">
+            <a:schemeClr val="lt1"/>
+          </a:fontRef>
+        </p:style>
+        <p:txBody>
+          <a:bodyPr rtlCol="0" anchor="ctr"/>
+          <a:lstStyle/>
+          <a:p>
+            <a:pPr algn="ctr"/>
+            <a:endParaRPr lang="en-AU"/>
+          </a:p>
+        </p:txBody>
+      </p:sp>
+      <p:pic>
+        <p:nvPicPr>
+          <p:cNvPr id="1028" name="Picture 4" descr="Installation Guide - Nazca Design">
+            <a:extLst>
+              <a:ext uri="{FF2B5EF4-FFF2-40B4-BE49-F238E27FC236}">
+                <a16:creationId xmlns:a16="http://schemas.microsoft.com/office/drawing/2014/main" id="{5EAC2D62-FA74-ED60-A579-C822D2B7308C}"/>
+              </a:ext>
+            </a:extLst>
+          </p:cNvPr>
+          <p:cNvPicPr>
+            <a:picLocks noGrp="1" noChangeAspect="1" noChangeArrowheads="1"/>
+          </p:cNvPicPr>
+          <p:nvPr>
+            <p:ph idx="1"/>
+          </p:nvPr>
+        </p:nvPicPr>
+        <p:blipFill>
+          <a:blip r:embed="rId3">
+            <a:extLst>
+              <a:ext uri="{28A0092B-C50C-407E-A947-70E740481C1C}">
+                <a14:useLocalDpi xmlns:a14="http://schemas.microsoft.com/office/drawing/2010/main" val="0"/>
+              </a:ext>
+            </a:extLst>
+          </a:blip>
+          <a:srcRect/>
+          <a:stretch>
+            <a:fillRect/>
+          </a:stretch>
+        </p:blipFill>
+        <p:spPr bwMode="auto">
+          <a:xfrm>
+            <a:off x="8215354" y="670183"/>
+            <a:ext cx="3677478" cy="2615462"/>
+          </a:xfrm>
+          <a:prstGeom prst="rect">
+            <a:avLst/>
+          </a:prstGeom>
+          <a:noFill/>
+          <a:extLst>
+            <a:ext uri="{909E8E84-426E-40DD-AFC4-6F175D3DCCD1}">
+              <a14:hiddenFill xmlns:a14="http://schemas.microsoft.com/office/drawing/2010/main">
+                <a:solidFill>
+                  <a:srgbClr val="FFFFFF"/>
+                </a:solidFill>
+              </a14:hiddenFill>
+            </a:ext>
+          </a:extLst>
+        </p:spPr>
+      </p:pic>
+      <p:pic>
+        <p:nvPicPr>
+          <p:cNvPr id="1026" name="Picture 2" descr="The Python Logo | Python Software Foundation">
+            <a:extLst>
+              <a:ext uri="{FF2B5EF4-FFF2-40B4-BE49-F238E27FC236}">
+                <a16:creationId xmlns:a16="http://schemas.microsoft.com/office/drawing/2014/main" id="{1C0F0093-6779-7EDB-391A-30AB91533CC5}"/>
+              </a:ext>
+            </a:extLst>
+          </p:cNvPr>
+          <p:cNvPicPr>
+            <a:picLocks noChangeAspect="1" noChangeArrowheads="1"/>
+          </p:cNvPicPr>
+          <p:nvPr/>
+        </p:nvPicPr>
+        <p:blipFill>
+          <a:blip r:embed="rId4">
+            <a:extLst>
+              <a:ext uri="{28A0092B-C50C-407E-A947-70E740481C1C}">
+                <a14:useLocalDpi xmlns:a14="http://schemas.microsoft.com/office/drawing/2010/main" val="0"/>
+              </a:ext>
+            </a:extLst>
+          </a:blip>
+          <a:srcRect/>
+          <a:stretch>
+            <a:fillRect/>
+          </a:stretch>
+        </p:blipFill>
+        <p:spPr bwMode="auto">
+          <a:xfrm>
+            <a:off x="6891278" y="994656"/>
+            <a:ext cx="1585230" cy="1921134"/>
+          </a:xfrm>
+          <a:prstGeom prst="rect">
+            <a:avLst/>
+          </a:prstGeom>
+          <a:noFill/>
+          <a:extLst>
+            <a:ext uri="{909E8E84-426E-40DD-AFC4-6F175D3DCCD1}">
+              <a14:hiddenFill xmlns:a14="http://schemas.microsoft.com/office/drawing/2010/main">
+                <a:solidFill>
+                  <a:srgbClr val="FFFFFF"/>
+                </a:solidFill>
+              </a14:hiddenFill>
+            </a:ext>
+          </a:extLst>
+        </p:spPr>
+      </p:pic>
+      <p:sp>
+        <p:nvSpPr>
+          <p:cNvPr id="8" name="Arrow: Curved Left 7">
+            <a:extLst>
+              <a:ext uri="{FF2B5EF4-FFF2-40B4-BE49-F238E27FC236}">
+                <a16:creationId xmlns:a16="http://schemas.microsoft.com/office/drawing/2014/main" id="{471DE48A-3E9D-51C2-F48C-D16FFFC2B2CC}"/>
+              </a:ext>
+            </a:extLst>
+          </p:cNvPr>
+          <p:cNvSpPr/>
+          <p:nvPr/>
+        </p:nvSpPr>
+        <p:spPr>
+          <a:xfrm rot="15137856">
+            <a:off x="6931696" y="-900664"/>
+            <a:ext cx="1048692" cy="3725462"/>
+          </a:xfrm>
+          <a:prstGeom prst="curvedLeftArrow">
+            <a:avLst>
+              <a:gd name="adj1" fmla="val 19426"/>
+              <a:gd name="adj2" fmla="val 52954"/>
+              <a:gd name="adj3" fmla="val 33732"/>
+            </a:avLst>
+          </a:prstGeom>
+        </p:spPr>
+        <p:style>
+          <a:lnRef idx="2">
+            <a:schemeClr val="accent1">
+              <a:shade val="50000"/>
+            </a:schemeClr>
+          </a:lnRef>
+          <a:fillRef idx="1">
+            <a:schemeClr val="accent1"/>
+          </a:fillRef>
+          <a:effectRef idx="0">
+            <a:schemeClr val="accent1"/>
+          </a:effectRef>
+          <a:fontRef idx="minor">
+            <a:schemeClr val="lt1"/>
+          </a:fontRef>
+        </p:style>
+        <p:txBody>
+          <a:bodyPr rtlCol="0" anchor="ctr"/>
+          <a:lstStyle/>
+          <a:p>
+            <a:pPr algn="ctr"/>
+            <a:endParaRPr lang="en-AU">
+              <a:solidFill>
+                <a:schemeClr val="tx1"/>
+              </a:solidFill>
+            </a:endParaRPr>
+          </a:p>
+        </p:txBody>
+      </p:sp>
+      <p:pic>
+        <p:nvPicPr>
+          <p:cNvPr id="1030" name="Picture 6" descr="Tableau Logo, symbol, meaning, history, PNG, brand">
+            <a:extLst>
+              <a:ext uri="{FF2B5EF4-FFF2-40B4-BE49-F238E27FC236}">
+                <a16:creationId xmlns:a16="http://schemas.microsoft.com/office/drawing/2014/main" id="{79EC9F3F-AB9F-5DC1-2607-9ECE7B4C5333}"/>
+              </a:ext>
+            </a:extLst>
+          </p:cNvPr>
+          <p:cNvPicPr>
+            <a:picLocks noChangeAspect="1" noChangeArrowheads="1"/>
+          </p:cNvPicPr>
+          <p:nvPr/>
+        </p:nvPicPr>
+        <p:blipFill>
+          <a:blip r:embed="rId5">
+            <a:extLst>
+              <a:ext uri="{28A0092B-C50C-407E-A947-70E740481C1C}">
+                <a14:useLocalDpi xmlns:a14="http://schemas.microsoft.com/office/drawing/2010/main" val="0"/>
+              </a:ext>
+            </a:extLst>
+          </a:blip>
+          <a:srcRect/>
+          <a:stretch>
+            <a:fillRect/>
+          </a:stretch>
+        </p:blipFill>
+        <p:spPr bwMode="auto">
+          <a:xfrm>
+            <a:off x="8105214" y="3930947"/>
+            <a:ext cx="3809999" cy="2143125"/>
+          </a:xfrm>
+          <a:prstGeom prst="rect">
+            <a:avLst/>
+          </a:prstGeom>
+          <a:noFill/>
+          <a:extLst>
+            <a:ext uri="{909E8E84-426E-40DD-AFC4-6F175D3DCCD1}">
+              <a14:hiddenFill xmlns:a14="http://schemas.microsoft.com/office/drawing/2010/main">
+                <a:solidFill>
+                  <a:srgbClr val="FFFFFF"/>
+                </a:solidFill>
+              </a14:hiddenFill>
+            </a:ext>
+          </a:extLst>
+        </p:spPr>
+      </p:pic>
+      <p:pic>
+        <p:nvPicPr>
+          <p:cNvPr id="1034" name="Picture 10" descr="Page 2 | Machine learning logo Vectors &amp; Illustrations for Free Download |  Freepik">
+            <a:extLst>
+              <a:ext uri="{FF2B5EF4-FFF2-40B4-BE49-F238E27FC236}">
+                <a16:creationId xmlns:a16="http://schemas.microsoft.com/office/drawing/2014/main" id="{7D6A7467-1DFE-3687-1299-92F0C71973DA}"/>
+              </a:ext>
+            </a:extLst>
+          </p:cNvPr>
+          <p:cNvPicPr>
+            <a:picLocks noChangeAspect="1" noChangeArrowheads="1"/>
+          </p:cNvPicPr>
+          <p:nvPr/>
+        </p:nvPicPr>
+        <p:blipFill>
+          <a:blip r:embed="rId6">
+            <a:extLst>
+              <a:ext uri="{28A0092B-C50C-407E-A947-70E740481C1C}">
+                <a14:useLocalDpi xmlns:a14="http://schemas.microsoft.com/office/drawing/2010/main" val="0"/>
+              </a:ext>
+            </a:extLst>
+          </a:blip>
+          <a:srcRect/>
+          <a:stretch>
+            <a:fillRect/>
+          </a:stretch>
+        </p:blipFill>
+        <p:spPr bwMode="auto">
+          <a:xfrm>
+            <a:off x="6047658" y="3240263"/>
+            <a:ext cx="2143125" cy="2143125"/>
+          </a:xfrm>
+          <a:prstGeom prst="rect">
+            <a:avLst/>
+          </a:prstGeom>
+          <a:noFill/>
+          <a:extLst>
+            <a:ext uri="{909E8E84-426E-40DD-AFC4-6F175D3DCCD1}">
+              <a14:hiddenFill xmlns:a14="http://schemas.microsoft.com/office/drawing/2010/main">
+                <a:solidFill>
+                  <a:srgbClr val="FFFFFF"/>
+                </a:solidFill>
+              </a14:hiddenFill>
+            </a:ext>
+          </a:extLst>
+        </p:spPr>
+      </p:pic>
+      <p:sp>
+        <p:nvSpPr>
+          <p:cNvPr id="9" name="Arrow: Bent 8">
+            <a:extLst>
+              <a:ext uri="{FF2B5EF4-FFF2-40B4-BE49-F238E27FC236}">
+                <a16:creationId xmlns:a16="http://schemas.microsoft.com/office/drawing/2014/main" id="{D881860E-4F54-8D21-7D9B-9566946E1962}"/>
+              </a:ext>
+            </a:extLst>
+          </p:cNvPr>
+          <p:cNvSpPr/>
+          <p:nvPr/>
+        </p:nvSpPr>
+        <p:spPr>
+          <a:xfrm rot="10113525">
+            <a:off x="10658327" y="3422277"/>
+            <a:ext cx="923731" cy="1186658"/>
+          </a:xfrm>
+          <a:prstGeom prst="bentArrow">
+            <a:avLst>
+              <a:gd name="adj1" fmla="val 15909"/>
+              <a:gd name="adj2" fmla="val 23990"/>
+              <a:gd name="adj3" fmla="val 25000"/>
+              <a:gd name="adj4" fmla="val 43750"/>
+            </a:avLst>
+          </a:prstGeom>
+        </p:spPr>
+        <p:style>
+          <a:lnRef idx="2">
+            <a:schemeClr val="accent1">
+              <a:shade val="50000"/>
+            </a:schemeClr>
+          </a:lnRef>
+          <a:fillRef idx="1">
+            <a:schemeClr val="accent1"/>
+          </a:fillRef>
+          <a:effectRef idx="0">
+            <a:schemeClr val="accent1"/>
+          </a:effectRef>
+          <a:fontRef idx="minor">
+            <a:schemeClr val="lt1"/>
+          </a:fontRef>
+        </p:style>
+        <p:txBody>
+          <a:bodyPr rtlCol="0" anchor="ctr"/>
+          <a:lstStyle/>
+          <a:p>
+            <a:pPr algn="ctr"/>
+            <a:endParaRPr lang="en-AU">
+              <a:solidFill>
+                <a:schemeClr val="tx1"/>
+              </a:solidFill>
+            </a:endParaRPr>
+          </a:p>
+        </p:txBody>
+      </p:sp>
+      <p:sp>
+        <p:nvSpPr>
+          <p:cNvPr id="10" name="Arrow: U-Turn 9">
+            <a:extLst>
+              <a:ext uri="{FF2B5EF4-FFF2-40B4-BE49-F238E27FC236}">
+                <a16:creationId xmlns:a16="http://schemas.microsoft.com/office/drawing/2014/main" id="{796DCB1D-DBB2-95F5-6B12-6A5DC076338F}"/>
+              </a:ext>
+            </a:extLst>
+          </p:cNvPr>
+          <p:cNvSpPr/>
+          <p:nvPr/>
+        </p:nvSpPr>
+        <p:spPr>
+          <a:xfrm rot="12635839">
+            <a:off x="7067663" y="2572118"/>
+            <a:ext cx="1435428" cy="3684159"/>
+          </a:xfrm>
+          <a:prstGeom prst="uturnArrow">
+            <a:avLst>
+              <a:gd name="adj1" fmla="val 9330"/>
+              <a:gd name="adj2" fmla="val 17595"/>
+              <a:gd name="adj3" fmla="val 20334"/>
+              <a:gd name="adj4" fmla="val 35610"/>
+              <a:gd name="adj5" fmla="val 23736"/>
+            </a:avLst>
+          </a:prstGeom>
+        </p:spPr>
+        <p:style>
+          <a:lnRef idx="2">
+            <a:schemeClr val="accent1">
+              <a:shade val="50000"/>
+            </a:schemeClr>
+          </a:lnRef>
+          <a:fillRef idx="1">
+            <a:schemeClr val="accent1"/>
+          </a:fillRef>
+          <a:effectRef idx="0">
+            <a:schemeClr val="accent1"/>
+          </a:effectRef>
+          <a:fontRef idx="minor">
+            <a:schemeClr val="lt1"/>
+          </a:fontRef>
+        </p:style>
+        <p:txBody>
+          <a:bodyPr rtlCol="0" anchor="ctr"/>
+          <a:lstStyle/>
+          <a:p>
+            <a:pPr algn="ctr"/>
+            <a:endParaRPr lang="en-AU">
+              <a:solidFill>
+                <a:schemeClr val="tx1"/>
+              </a:solidFill>
+            </a:endParaRPr>
+          </a:p>
+        </p:txBody>
+      </p:sp>
+    </p:spTree>
+    <p:extLst>
+      <p:ext uri="{BB962C8B-B14F-4D97-AF65-F5344CB8AC3E}">
+        <p14:creationId xmlns:p14="http://schemas.microsoft.com/office/powerpoint/2010/main" val="2746289811"/>
+      </p:ext>
+    </p:extLst>
+  </p:cSld>
+  <p:clrMapOvr>
+    <a:masterClrMapping/>
+  </p:clrMapOvr>
+</p:sld>
+</file>
+
+<file path=ppt/slides/slide6.xml><?xml version="1.0" encoding="utf-8"?>
 <p:sld xmlns:a="http://schemas.openxmlformats.org/drawingml/2006/main" xmlns:r="http://schemas.openxmlformats.org/officeDocument/2006/relationships" xmlns:p="http://schemas.openxmlformats.org/presentationml/2006/main">
   <p:cSld>
     <p:bg>
@@ -7195,7 +8408,54 @@
           </a:bodyPr>
           <a:lstStyle/>
           <a:p>
+            <a:r>
+              <a:rPr lang="en-AU" b="0" i="0" dirty="0">
+                <a:solidFill>
+                  <a:srgbClr val="222222"/>
+                </a:solidFill>
+                <a:effectLst/>
+                <a:latin typeface="Open Sans" panose="020B0606030504020204" pitchFamily="34" charset="0"/>
+              </a:rPr>
+              <a:t>The Wage Price </a:t>
+            </a:r>
+            <a:r>
+              <a:rPr lang="en-AU" dirty="0">
+                <a:solidFill>
+                  <a:srgbClr val="222222"/>
+                </a:solidFill>
+                <a:latin typeface="Open Sans" panose="020B0606030504020204" pitchFamily="34" charset="0"/>
+              </a:rPr>
+              <a:t>Index</a:t>
+            </a:r>
+            <a:r>
+              <a:rPr lang="en-AU" b="0" i="0" dirty="0">
+                <a:solidFill>
+                  <a:srgbClr val="222222"/>
+                </a:solidFill>
+                <a:effectLst/>
+                <a:latin typeface="Open Sans" panose="020B0606030504020204" pitchFamily="34" charset="0"/>
+              </a:rPr>
+              <a:t> measures changes in the price of labour, unaffected by compositional shifts in the labour force, hours worked or employee characteristics.</a:t>
+            </a:r>
+          </a:p>
+          <a:p>
             <a:pPr algn="l"/>
+            <a:r>
+              <a:rPr lang="en-AU" b="1" i="0" dirty="0">
+                <a:solidFill>
+                  <a:srgbClr val="000000"/>
+                </a:solidFill>
+                <a:effectLst/>
+                <a:latin typeface="Open Sans" panose="020B0606030504020204" pitchFamily="34" charset="0"/>
+              </a:rPr>
+              <a:t>Key statistics</a:t>
+            </a:r>
+          </a:p>
+          <a:p>
+            <a:pPr algn="l">
+              <a:buFont typeface="Arial" panose="020B0604020202020204" pitchFamily="34" charset="0"/>
+              <a:buChar char="•"/>
+            </a:pPr>
             <a:r>
               <a:rPr lang="en-AU" b="0" i="0" dirty="0">
                 <a:solidFill>
@@ -7204,11 +8464,14 @@
                 <a:effectLst/>
                 <a:latin typeface="Open Sans" panose="020B0606030504020204" pitchFamily="34" charset="0"/>
               </a:rPr>
-              <a:t>An increase in the size of average hourly wage change in both the private and public sector was the main driver of wage growth over the quarter.</a:t>
+              <a:t>In March quarter 2023, the seasonally adjusted WPI rose 0.8% this quarter and 3.7% over the year.</a:t>
             </a:r>
           </a:p>
           <a:p>
-            <a:pPr algn="l"/>
+            <a:pPr algn="l">
+              <a:buFont typeface="Arial" panose="020B0604020202020204" pitchFamily="34" charset="0"/>
+              <a:buChar char="•"/>
+            </a:pPr>
             <a:r>
               <a:rPr lang="en-AU" b="0" i="0" dirty="0">
                 <a:solidFill>
@@ -7217,282 +8480,18 @@
                 <a:effectLst/>
                 <a:latin typeface="Open Sans" panose="020B0606030504020204" pitchFamily="34" charset="0"/>
               </a:rPr>
-              <a:t>Seasonally adjusted private sector wages rose 0.8% over the quarter. Annual growth lifted to 3.8%, from 3.6% in December quarter 2022. This is the highest annual growth recorded for the sector since June quarter 2012.</a:t>
+              <a:t>The private sector rose 0.8% and the public sector rose 0.9%.</a:t>
             </a:r>
           </a:p>
           <a:p>
-            <a:pPr algn="l"/>
-            <a:r>
-              <a:rPr lang="en-AU" b="0" i="0" dirty="0">
-                <a:solidFill>
-                  <a:srgbClr val="000000"/>
-                </a:solidFill>
-                <a:effectLst/>
-                <a:latin typeface="Open Sans" panose="020B0606030504020204" pitchFamily="34" charset="0"/>
-              </a:rPr>
-              <a:t>Public sector wages rose 0.9% over the quarter. Annual growth increased from 2.5% in the December quarter 2022, to 3.0% in the March quarter 2023. This is the highest annual growth since March quarter 2013.</a:t>
-            </a:r>
-          </a:p>
-          <a:p>
-            <a:r>
-              <a:rPr lang="en-AU" dirty="0"/>
-              <a:t>(Tableau graph to demonstrate trend)</a:t>
-            </a:r>
+            <a:endParaRPr lang="en-AU" dirty="0"/>
           </a:p>
         </p:txBody>
       </p:sp>
     </p:spTree>
     <p:extLst>
       <p:ext uri="{BB962C8B-B14F-4D97-AF65-F5344CB8AC3E}">
-        <p14:creationId xmlns:p14="http://schemas.microsoft.com/office/powerpoint/2010/main" val="4256311408"/>
-      </p:ext>
-    </p:extLst>
-  </p:cSld>
-  <p:clrMapOvr>
-    <a:masterClrMapping/>
-  </p:clrMapOvr>
-</p:sld>
-</file>
-
-<file path=ppt/slides/slide5.xml><?xml version="1.0" encoding="utf-8"?>
-<p:sld xmlns:a="http://schemas.openxmlformats.org/drawingml/2006/main" xmlns:r="http://schemas.openxmlformats.org/officeDocument/2006/relationships" xmlns:p="http://schemas.openxmlformats.org/presentationml/2006/main">
-  <p:cSld>
-    <p:spTree>
-      <p:nvGrpSpPr>
-        <p:cNvPr id="1" name=""/>
-        <p:cNvGrpSpPr/>
-        <p:nvPr/>
-      </p:nvGrpSpPr>
-      <p:grpSpPr>
-        <a:xfrm>
-          <a:off x="0" y="0"/>
-          <a:ext cx="0" cy="0"/>
-          <a:chOff x="0" y="0"/>
-          <a:chExt cx="0" cy="0"/>
-        </a:xfrm>
-      </p:grpSpPr>
-      <p:pic>
-        <p:nvPicPr>
-          <p:cNvPr id="13" name="Content Placeholder 12">
-            <a:extLst>
-              <a:ext uri="{FF2B5EF4-FFF2-40B4-BE49-F238E27FC236}">
-                <a16:creationId xmlns:a16="http://schemas.microsoft.com/office/drawing/2014/main" id="{DDACEFC6-B255-0F78-7BA0-47499E072ED5}"/>
-              </a:ext>
-            </a:extLst>
-          </p:cNvPr>
-          <p:cNvPicPr>
-            <a:picLocks noGrp="1" noChangeAspect="1"/>
-          </p:cNvPicPr>
-          <p:nvPr>
-            <p:ph idx="1"/>
-          </p:nvPr>
-        </p:nvPicPr>
-        <p:blipFill>
-          <a:blip r:embed="rId2"/>
-          <a:stretch>
-            <a:fillRect/>
-          </a:stretch>
-        </p:blipFill>
-        <p:spPr>
-          <a:xfrm>
-            <a:off x="0" y="1573646"/>
-            <a:ext cx="5444456" cy="3760788"/>
-          </a:xfrm>
-        </p:spPr>
-      </p:pic>
-      <p:pic>
-        <p:nvPicPr>
-          <p:cNvPr id="15" name="Picture 14">
-            <a:extLst>
-              <a:ext uri="{FF2B5EF4-FFF2-40B4-BE49-F238E27FC236}">
-                <a16:creationId xmlns:a16="http://schemas.microsoft.com/office/drawing/2014/main" id="{845CB37E-B465-3A81-CEBB-CB31B15FD7B1}"/>
-              </a:ext>
-            </a:extLst>
-          </p:cNvPr>
-          <p:cNvPicPr>
-            <a:picLocks noChangeAspect="1"/>
-          </p:cNvPicPr>
-          <p:nvPr/>
-        </p:nvPicPr>
-        <p:blipFill>
-          <a:blip r:embed="rId3"/>
-          <a:stretch>
-            <a:fillRect/>
-          </a:stretch>
-        </p:blipFill>
-        <p:spPr>
-          <a:xfrm>
-            <a:off x="5452844" y="1548606"/>
-            <a:ext cx="5919391" cy="3810868"/>
-          </a:xfrm>
-          <a:prstGeom prst="rect">
-            <a:avLst/>
-          </a:prstGeom>
-        </p:spPr>
-      </p:pic>
-      <p:sp>
-        <p:nvSpPr>
-          <p:cNvPr id="17" name="TextBox 16">
-            <a:extLst>
-              <a:ext uri="{FF2B5EF4-FFF2-40B4-BE49-F238E27FC236}">
-                <a16:creationId xmlns:a16="http://schemas.microsoft.com/office/drawing/2014/main" id="{CEBDA468-0A35-10EA-9D2A-721B49E4F0C1}"/>
-              </a:ext>
-            </a:extLst>
-          </p:cNvPr>
-          <p:cNvSpPr txBox="1"/>
-          <p:nvPr/>
-        </p:nvSpPr>
-        <p:spPr>
-          <a:xfrm>
-            <a:off x="4513277" y="813732"/>
-            <a:ext cx="1493166" cy="369332"/>
-          </a:xfrm>
-          <a:prstGeom prst="rect">
-            <a:avLst/>
-          </a:prstGeom>
-          <a:noFill/>
-        </p:spPr>
-        <p:txBody>
-          <a:bodyPr wrap="none" rtlCol="0">
-            <a:spAutoFit/>
-          </a:bodyPr>
-          <a:lstStyle/>
-          <a:p>
-            <a:r>
-              <a:rPr lang="en-AU" dirty="0"/>
-              <a:t>WPI ANALYSIS</a:t>
-            </a:r>
-          </a:p>
-        </p:txBody>
-      </p:sp>
-    </p:spTree>
-    <p:extLst>
-      <p:ext uri="{BB962C8B-B14F-4D97-AF65-F5344CB8AC3E}">
-        <p14:creationId xmlns:p14="http://schemas.microsoft.com/office/powerpoint/2010/main" val="2781064683"/>
-      </p:ext>
-    </p:extLst>
-  </p:cSld>
-  <p:clrMapOvr>
-    <a:masterClrMapping/>
-  </p:clrMapOvr>
-</p:sld>
-</file>
-
-<file path=ppt/slides/slide6.xml><?xml version="1.0" encoding="utf-8"?>
-<p:sld xmlns:a="http://schemas.openxmlformats.org/drawingml/2006/main" xmlns:r="http://schemas.openxmlformats.org/officeDocument/2006/relationships" xmlns:p="http://schemas.openxmlformats.org/presentationml/2006/main">
-  <p:cSld>
-    <p:spTree>
-      <p:nvGrpSpPr>
-        <p:cNvPr id="1" name=""/>
-        <p:cNvGrpSpPr/>
-        <p:nvPr/>
-      </p:nvGrpSpPr>
-      <p:grpSpPr>
-        <a:xfrm>
-          <a:off x="0" y="0"/>
-          <a:ext cx="0" cy="0"/>
-          <a:chOff x="0" y="0"/>
-          <a:chExt cx="0" cy="0"/>
-        </a:xfrm>
-      </p:grpSpPr>
-      <p:pic>
-        <p:nvPicPr>
-          <p:cNvPr id="5" name="Content Placeholder 4">
-            <a:extLst>
-              <a:ext uri="{FF2B5EF4-FFF2-40B4-BE49-F238E27FC236}">
-                <a16:creationId xmlns:a16="http://schemas.microsoft.com/office/drawing/2014/main" id="{D4BBF56D-47F7-71C7-28EA-44DC8356E8BB}"/>
-              </a:ext>
-            </a:extLst>
-          </p:cNvPr>
-          <p:cNvPicPr>
-            <a:picLocks noGrp="1" noChangeAspect="1"/>
-          </p:cNvPicPr>
-          <p:nvPr>
-            <p:ph idx="1"/>
-          </p:nvPr>
-        </p:nvPicPr>
-        <p:blipFill>
-          <a:blip r:embed="rId2"/>
-          <a:stretch>
-            <a:fillRect/>
-          </a:stretch>
-        </p:blipFill>
-        <p:spPr>
-          <a:xfrm>
-            <a:off x="6200882" y="1593908"/>
-            <a:ext cx="6011147" cy="4144161"/>
-          </a:xfrm>
-        </p:spPr>
-      </p:pic>
-      <p:pic>
-        <p:nvPicPr>
-          <p:cNvPr id="7" name="Picture 6">
-            <a:extLst>
-              <a:ext uri="{FF2B5EF4-FFF2-40B4-BE49-F238E27FC236}">
-                <a16:creationId xmlns:a16="http://schemas.microsoft.com/office/drawing/2014/main" id="{CF475792-AA77-CA1A-963F-88FA829998E1}"/>
-              </a:ext>
-            </a:extLst>
-          </p:cNvPr>
-          <p:cNvPicPr>
-            <a:picLocks noChangeAspect="1"/>
-          </p:cNvPicPr>
-          <p:nvPr/>
-        </p:nvPicPr>
-        <p:blipFill>
-          <a:blip r:embed="rId3"/>
-          <a:stretch>
-            <a:fillRect/>
-          </a:stretch>
-        </p:blipFill>
-        <p:spPr>
-          <a:xfrm>
-            <a:off x="0" y="1270302"/>
-            <a:ext cx="6191075" cy="4995274"/>
-          </a:xfrm>
-          <a:prstGeom prst="rect">
-            <a:avLst/>
-          </a:prstGeom>
-        </p:spPr>
-      </p:pic>
-      <p:sp>
-        <p:nvSpPr>
-          <p:cNvPr id="8" name="TextBox 7">
-            <a:extLst>
-              <a:ext uri="{FF2B5EF4-FFF2-40B4-BE49-F238E27FC236}">
-                <a16:creationId xmlns:a16="http://schemas.microsoft.com/office/drawing/2014/main" id="{9B92F887-E77C-7DB5-B368-2DCCA4768DD7}"/>
-              </a:ext>
-            </a:extLst>
-          </p:cNvPr>
-          <p:cNvSpPr txBox="1"/>
-          <p:nvPr/>
-        </p:nvSpPr>
-        <p:spPr>
-          <a:xfrm>
-            <a:off x="4169557" y="592424"/>
-            <a:ext cx="2031325" cy="369332"/>
-          </a:xfrm>
-          <a:prstGeom prst="rect">
-            <a:avLst/>
-          </a:prstGeom>
-          <a:noFill/>
-        </p:spPr>
-        <p:txBody>
-          <a:bodyPr wrap="none" rtlCol="0">
-            <a:spAutoFit/>
-          </a:bodyPr>
-          <a:lstStyle/>
-          <a:p>
-            <a:r>
-              <a:rPr lang="en-AU" dirty="0"/>
-              <a:t>WPI ANALYSIS	</a:t>
-            </a:r>
-          </a:p>
-        </p:txBody>
-      </p:sp>
-    </p:spTree>
-    <p:extLst>
-      <p:ext uri="{BB962C8B-B14F-4D97-AF65-F5344CB8AC3E}">
-        <p14:creationId xmlns:p14="http://schemas.microsoft.com/office/powerpoint/2010/main" val="2386982422"/>
+        <p14:creationId xmlns:p14="http://schemas.microsoft.com/office/powerpoint/2010/main" val="3410391663"/>
       </p:ext>
     </p:extLst>
   </p:cSld>
@@ -7557,7 +8556,7 @@
           <a:p>
             <a:r>
               <a:rPr lang="en-US" dirty="0"/>
-              <a:t>CPI</a:t>
+              <a:t>WPI</a:t>
             </a:r>
           </a:p>
         </p:txBody>
@@ -7585,18 +8584,7 @@
           </a:bodyPr>
           <a:lstStyle/>
           <a:p>
-            <a:r>
-              <a:rPr lang="en-AU" b="0" i="0" dirty="0">
-                <a:solidFill>
-                  <a:srgbClr val="222222"/>
-                </a:solidFill>
-                <a:effectLst/>
-                <a:latin typeface="Open Sans" panose="020B0606030504020204" pitchFamily="34" charset="0"/>
-              </a:rPr>
-              <a:t>The Consumer Price Index (CPI) measures household inflation and includes statistics about price change for categories of household expenditure.</a:t>
-            </a:r>
-          </a:p>
-          <a:p>
+            <a:pPr algn="l"/>
             <a:r>
               <a:rPr lang="en-AU" b="0" i="0" dirty="0">
                 <a:solidFill>
@@ -7605,24 +8593,47 @@
                 <a:effectLst/>
                 <a:latin typeface="Open Sans" panose="020B0606030504020204" pitchFamily="34" charset="0"/>
               </a:rPr>
-              <a:t>- Over the last twelve months to the March 2023 quarter, the CPI rose 7.0%.</a:t>
+              <a:t>An increase in the size of average hourly wage change in both the private and public sector was the main driver of wage growth over the quarter.</a:t>
             </a:r>
           </a:p>
           <a:p>
-            <a:endParaRPr lang="en-AU" b="0" i="0" dirty="0">
-              <a:solidFill>
-                <a:srgbClr val="000000"/>
-              </a:solidFill>
-              <a:effectLst/>
-              <a:latin typeface="Open Sans" panose="020B0606030504020204" pitchFamily="34" charset="0"/>
-            </a:endParaRPr>
+            <a:pPr algn="l"/>
+            <a:r>
+              <a:rPr lang="en-AU" b="0" i="0" dirty="0">
+                <a:solidFill>
+                  <a:srgbClr val="000000"/>
+                </a:solidFill>
+                <a:effectLst/>
+                <a:latin typeface="Open Sans" panose="020B0606030504020204" pitchFamily="34" charset="0"/>
+              </a:rPr>
+              <a:t>Seasonally adjusted private sector wages rose 0.8% over the quarter. Annual growth lifted to 3.8%, from 3.6% in December quarter 2022. This is the highest annual growth recorded for the sector since June quarter 2012.</a:t>
+            </a:r>
+          </a:p>
+          <a:p>
+            <a:pPr algn="l"/>
+            <a:r>
+              <a:rPr lang="en-AU" b="0" i="0" dirty="0">
+                <a:solidFill>
+                  <a:srgbClr val="000000"/>
+                </a:solidFill>
+                <a:effectLst/>
+                <a:latin typeface="Open Sans" panose="020B0606030504020204" pitchFamily="34" charset="0"/>
+              </a:rPr>
+              <a:t>Public sector wages rose 0.9% over the quarter. Annual growth increased from 2.5% in the December quarter 2022, to 3.0% in the March quarter 2023. This is the highest annual growth since March quarter 2013.</a:t>
+            </a:r>
+          </a:p>
+          <a:p>
+            <a:r>
+              <a:rPr lang="en-AU" dirty="0"/>
+              <a:t>(Tableau graph to demonstrate trend)</a:t>
+            </a:r>
           </a:p>
         </p:txBody>
       </p:sp>
     </p:spTree>
     <p:extLst>
       <p:ext uri="{BB962C8B-B14F-4D97-AF65-F5344CB8AC3E}">
-        <p14:creationId xmlns:p14="http://schemas.microsoft.com/office/powerpoint/2010/main" val="319949841"/>
+        <p14:creationId xmlns:p14="http://schemas.microsoft.com/office/powerpoint/2010/main" val="4256311408"/>
       </p:ext>
     </p:extLst>
   </p:cSld>
@@ -7635,14 +8646,6 @@
 <file path=ppt/slides/slide8.xml><?xml version="1.0" encoding="utf-8"?>
 <p:sld xmlns:a="http://schemas.openxmlformats.org/drawingml/2006/main" xmlns:r="http://schemas.openxmlformats.org/officeDocument/2006/relationships" xmlns:p="http://schemas.openxmlformats.org/presentationml/2006/main">
   <p:cSld>
-    <p:bg>
-      <p:bgPr>
-        <a:solidFill>
-          <a:schemeClr val="bg1"/>
-        </a:solidFill>
-        <a:effectLst/>
-      </p:bgPr>
-    </p:bg>
     <p:spTree>
       <p:nvGrpSpPr>
         <p:cNvPr id="1" name=""/>
@@ -7657,83 +8660,96 @@
           <a:chExt cx="0" cy="0"/>
         </a:xfrm>
       </p:grpSpPr>
+      <p:pic>
+        <p:nvPicPr>
+          <p:cNvPr id="13" name="Content Placeholder 12">
+            <a:extLst>
+              <a:ext uri="{FF2B5EF4-FFF2-40B4-BE49-F238E27FC236}">
+                <a16:creationId xmlns:a16="http://schemas.microsoft.com/office/drawing/2014/main" id="{DDACEFC6-B255-0F78-7BA0-47499E072ED5}"/>
+              </a:ext>
+            </a:extLst>
+          </p:cNvPr>
+          <p:cNvPicPr>
+            <a:picLocks noGrp="1" noChangeAspect="1"/>
+          </p:cNvPicPr>
+          <p:nvPr>
+            <p:ph idx="1"/>
+          </p:nvPr>
+        </p:nvPicPr>
+        <p:blipFill>
+          <a:blip r:embed="rId2"/>
+          <a:stretch>
+            <a:fillRect/>
+          </a:stretch>
+        </p:blipFill>
+        <p:spPr>
+          <a:xfrm>
+            <a:off x="0" y="1573646"/>
+            <a:ext cx="5444456" cy="3760788"/>
+          </a:xfrm>
+        </p:spPr>
+      </p:pic>
+      <p:pic>
+        <p:nvPicPr>
+          <p:cNvPr id="15" name="Picture 14">
+            <a:extLst>
+              <a:ext uri="{FF2B5EF4-FFF2-40B4-BE49-F238E27FC236}">
+                <a16:creationId xmlns:a16="http://schemas.microsoft.com/office/drawing/2014/main" id="{845CB37E-B465-3A81-CEBB-CB31B15FD7B1}"/>
+              </a:ext>
+            </a:extLst>
+          </p:cNvPr>
+          <p:cNvPicPr>
+            <a:picLocks noChangeAspect="1"/>
+          </p:cNvPicPr>
+          <p:nvPr/>
+        </p:nvPicPr>
+        <p:blipFill>
+          <a:blip r:embed="rId3"/>
+          <a:stretch>
+            <a:fillRect/>
+          </a:stretch>
+        </p:blipFill>
+        <p:spPr>
+          <a:xfrm>
+            <a:off x="5452844" y="1548606"/>
+            <a:ext cx="5919391" cy="3810868"/>
+          </a:xfrm>
+          <a:prstGeom prst="rect">
+            <a:avLst/>
+          </a:prstGeom>
+        </p:spPr>
+      </p:pic>
       <p:sp>
         <p:nvSpPr>
-          <p:cNvPr id="2" name="Title 1">
+          <p:cNvPr id="17" name="TextBox 16">
             <a:extLst>
               <a:ext uri="{FF2B5EF4-FFF2-40B4-BE49-F238E27FC236}">
-                <a16:creationId xmlns:a16="http://schemas.microsoft.com/office/drawing/2014/main" id="{66A47F5C-50EC-416A-AE8C-6F6BB4225673}"/>
+                <a16:creationId xmlns:a16="http://schemas.microsoft.com/office/drawing/2014/main" id="{CEBDA468-0A35-10EA-9D2A-721B49E4F0C1}"/>
               </a:ext>
             </a:extLst>
           </p:cNvPr>
-          <p:cNvSpPr>
-            <a:spLocks noGrp="1"/>
-          </p:cNvSpPr>
-          <p:nvPr>
-            <p:ph type="title"/>
-          </p:nvPr>
+          <p:cNvSpPr txBox="1"/>
+          <p:nvPr/>
         </p:nvSpPr>
         <p:spPr>
           <a:xfrm>
-            <a:off x="1097280" y="286603"/>
-            <a:ext cx="10058400" cy="1450757"/>
+            <a:off x="4513277" y="813732"/>
+            <a:ext cx="1493166" cy="369332"/>
           </a:xfrm>
+          <a:prstGeom prst="rect">
+            <a:avLst/>
+          </a:prstGeom>
+          <a:noFill/>
         </p:spPr>
         <p:txBody>
-          <a:bodyPr>
-            <a:normAutofit/>
+          <a:bodyPr wrap="none" rtlCol="0">
+            <a:spAutoFit/>
           </a:bodyPr>
           <a:lstStyle/>
           <a:p>
             <a:r>
-              <a:rPr lang="en-US" dirty="0"/>
-              <a:t>CPI</a:t>
-            </a:r>
-          </a:p>
-        </p:txBody>
-      </p:sp>
-      <p:sp>
-        <p:nvSpPr>
-          <p:cNvPr id="5" name="Content Placeholder 4">
-            <a:extLst>
-              <a:ext uri="{FF2B5EF4-FFF2-40B4-BE49-F238E27FC236}">
-                <a16:creationId xmlns:a16="http://schemas.microsoft.com/office/drawing/2014/main" id="{C8471725-2605-C39D-7AE4-631A7B4910A7}"/>
-              </a:ext>
-            </a:extLst>
-          </p:cNvPr>
-          <p:cNvSpPr>
-            <a:spLocks noGrp="1"/>
-          </p:cNvSpPr>
-          <p:nvPr>
-            <p:ph idx="1"/>
-          </p:nvPr>
-        </p:nvSpPr>
-        <p:spPr/>
-        <p:txBody>
-          <a:bodyPr>
-            <a:normAutofit/>
-          </a:bodyPr>
-          <a:lstStyle/>
-          <a:p>
-            <a:r>
               <a:rPr lang="en-AU" dirty="0"/>
-              <a:t>- </a:t>
-            </a:r>
-            <a:r>
-              <a:rPr lang="en-AU" b="0" i="0" dirty="0">
-                <a:solidFill>
-                  <a:srgbClr val="000000"/>
-                </a:solidFill>
-                <a:effectLst/>
-                <a:latin typeface="Open Sans" panose="020B0606030504020204" pitchFamily="34" charset="0"/>
-              </a:rPr>
-              <a:t>Annual CPI inflation was 7.0 per cent in the March quarter, down from a 30 year high of 7.8 per cent in the December quarter. While prices continue to rise for most goods and services, these rises have moderated in the most recent quarter, resulting in lower annual inflation, than the previous quarter. </a:t>
-            </a:r>
-          </a:p>
-          <a:p>
-            <a:r>
-              <a:rPr lang="en-AU" dirty="0"/>
-              <a:t>(Tableau graph to demonstrate trend)</a:t>
+              <a:t>WPI ANALYSIS</a:t>
             </a:r>
           </a:p>
         </p:txBody>
@@ -7741,7 +8757,7 @@
     </p:spTree>
     <p:extLst>
       <p:ext uri="{BB962C8B-B14F-4D97-AF65-F5344CB8AC3E}">
-        <p14:creationId xmlns:p14="http://schemas.microsoft.com/office/powerpoint/2010/main" val="2032595057"/>
+        <p14:creationId xmlns:p14="http://schemas.microsoft.com/office/powerpoint/2010/main" val="2781064683"/>
       </p:ext>
     </p:extLst>
   </p:cSld>
@@ -7768,40 +8784,12 @@
           <a:chExt cx="0" cy="0"/>
         </a:xfrm>
       </p:grpSpPr>
-      <p:sp>
-        <p:nvSpPr>
-          <p:cNvPr id="2" name="Title 1">
-            <a:extLst>
-              <a:ext uri="{FF2B5EF4-FFF2-40B4-BE49-F238E27FC236}">
-                <a16:creationId xmlns:a16="http://schemas.microsoft.com/office/drawing/2014/main" id="{E1730340-F7BD-9393-C591-2D4EE2AF5257}"/>
-              </a:ext>
-            </a:extLst>
-          </p:cNvPr>
-          <p:cNvSpPr>
-            <a:spLocks noGrp="1"/>
-          </p:cNvSpPr>
-          <p:nvPr>
-            <p:ph type="title"/>
-          </p:nvPr>
-        </p:nvSpPr>
-        <p:spPr/>
-        <p:txBody>
-          <a:bodyPr/>
-          <a:lstStyle/>
-          <a:p>
-            <a:r>
-              <a:rPr lang="en-AU" dirty="0"/>
-              <a:t>CPI	</a:t>
-            </a:r>
-          </a:p>
-        </p:txBody>
-      </p:sp>
       <p:pic>
         <p:nvPicPr>
           <p:cNvPr id="5" name="Content Placeholder 4">
             <a:extLst>
               <a:ext uri="{FF2B5EF4-FFF2-40B4-BE49-F238E27FC236}">
-                <a16:creationId xmlns:a16="http://schemas.microsoft.com/office/drawing/2014/main" id="{0B5CC53E-3732-E800-EAEB-2472BEF6004E}"/>
+                <a16:creationId xmlns:a16="http://schemas.microsoft.com/office/drawing/2014/main" id="{D4BBF56D-47F7-71C7-28EA-44DC8356E8BB}"/>
               </a:ext>
             </a:extLst>
           </p:cNvPr>
@@ -7820,15 +8808,80 @@
         </p:blipFill>
         <p:spPr>
           <a:xfrm>
-            <a:off x="3086951" y="2099811"/>
-            <a:ext cx="6018098" cy="3760788"/>
+            <a:off x="6200882" y="1593908"/>
+            <a:ext cx="6011147" cy="4144161"/>
           </a:xfrm>
         </p:spPr>
       </p:pic>
+      <p:pic>
+        <p:nvPicPr>
+          <p:cNvPr id="7" name="Picture 6">
+            <a:extLst>
+              <a:ext uri="{FF2B5EF4-FFF2-40B4-BE49-F238E27FC236}">
+                <a16:creationId xmlns:a16="http://schemas.microsoft.com/office/drawing/2014/main" id="{CF475792-AA77-CA1A-963F-88FA829998E1}"/>
+              </a:ext>
+            </a:extLst>
+          </p:cNvPr>
+          <p:cNvPicPr>
+            <a:picLocks noChangeAspect="1"/>
+          </p:cNvPicPr>
+          <p:nvPr/>
+        </p:nvPicPr>
+        <p:blipFill>
+          <a:blip r:embed="rId3"/>
+          <a:stretch>
+            <a:fillRect/>
+          </a:stretch>
+        </p:blipFill>
+        <p:spPr>
+          <a:xfrm>
+            <a:off x="0" y="1270302"/>
+            <a:ext cx="6191075" cy="4995274"/>
+          </a:xfrm>
+          <a:prstGeom prst="rect">
+            <a:avLst/>
+          </a:prstGeom>
+        </p:spPr>
+      </p:pic>
+      <p:sp>
+        <p:nvSpPr>
+          <p:cNvPr id="8" name="TextBox 7">
+            <a:extLst>
+              <a:ext uri="{FF2B5EF4-FFF2-40B4-BE49-F238E27FC236}">
+                <a16:creationId xmlns:a16="http://schemas.microsoft.com/office/drawing/2014/main" id="{9B92F887-E77C-7DB5-B368-2DCCA4768DD7}"/>
+              </a:ext>
+            </a:extLst>
+          </p:cNvPr>
+          <p:cNvSpPr txBox="1"/>
+          <p:nvPr/>
+        </p:nvSpPr>
+        <p:spPr>
+          <a:xfrm>
+            <a:off x="4169557" y="592424"/>
+            <a:ext cx="2031325" cy="369332"/>
+          </a:xfrm>
+          <a:prstGeom prst="rect">
+            <a:avLst/>
+          </a:prstGeom>
+          <a:noFill/>
+        </p:spPr>
+        <p:txBody>
+          <a:bodyPr wrap="none" rtlCol="0">
+            <a:spAutoFit/>
+          </a:bodyPr>
+          <a:lstStyle/>
+          <a:p>
+            <a:r>
+              <a:rPr lang="en-AU" dirty="0"/>
+              <a:t>WPI ANALYSIS	</a:t>
+            </a:r>
+          </a:p>
+        </p:txBody>
+      </p:sp>
     </p:spTree>
     <p:extLst>
       <p:ext uri="{BB962C8B-B14F-4D97-AF65-F5344CB8AC3E}">
-        <p14:creationId xmlns:p14="http://schemas.microsoft.com/office/powerpoint/2010/main" val="1694272229"/>
+        <p14:creationId xmlns:p14="http://schemas.microsoft.com/office/powerpoint/2010/main" val="2386982422"/>
       </p:ext>
     </p:extLst>
   </p:cSld>
@@ -8380,24 +9433,6 @@
 </file>
 
 <file path=customXml/item1.xml><?xml version="1.0" encoding="utf-8"?>
-<p:properties xmlns:p="http://schemas.microsoft.com/office/2006/metadata/properties" xmlns:xsi="http://www.w3.org/2001/XMLSchema-instance" xmlns:pc="http://schemas.microsoft.com/office/infopath/2007/PartnerControls">
-  <documentManagement>
-    <Status xmlns="71af3243-3dd4-4a8d-8c0d-dd76da1f02a5">Not started</Status>
-    <MediaServiceKeyPoints xmlns="71af3243-3dd4-4a8d-8c0d-dd76da1f02a5" xsi:nil="true"/>
-  </documentManagement>
-</p:properties>
-</file>
-
-<file path=customXml/item2.xml><?xml version="1.0" encoding="utf-8"?>
-<?mso-contentType ?>
-<FormTemplates xmlns="http://schemas.microsoft.com/sharepoint/v3/contenttype/forms">
-  <Display>DocumentLibraryForm</Display>
-  <Edit>DocumentLibraryForm</Edit>
-  <New>DocumentLibraryForm</New>
-</FormTemplates>
-</file>
-
-<file path=customXml/item3.xml><?xml version="1.0" encoding="utf-8"?>
 <ct:contentTypeSchema xmlns:ct="http://schemas.microsoft.com/office/2006/metadata/contentType" xmlns:ma="http://schemas.microsoft.com/office/2006/metadata/properties/metaAttributes" ct:_="" ma:_="" ma:contentTypeName="Document" ma:contentTypeID="0x01010079F111ED35F8CC479449609E8A0923A6" ma:contentTypeVersion="12" ma:contentTypeDescription="Create a new document." ma:contentTypeScope="" ma:versionID="a410dd7f93c95333ffa1b60ed6adedd1">
   <xsd:schema xmlns:xsd="http://www.w3.org/2001/XMLSchema" xmlns:xs="http://www.w3.org/2001/XMLSchema" xmlns:p="http://schemas.microsoft.com/office/2006/metadata/properties" xmlns:ns2="71af3243-3dd4-4a8d-8c0d-dd76da1f02a5" xmlns:ns3="16c05727-aa75-4e4a-9b5f-8a80a1165891" targetNamespace="http://schemas.microsoft.com/office/2006/metadata/properties" ma:root="true" ma:fieldsID="a936d9baba76aa3866493feff160faab" ns2:_="" ns3:_="">
     <xsd:import namespace="71af3243-3dd4-4a8d-8c0d-dd76da1f02a5"/>
@@ -8618,25 +9653,25 @@
 </ct:contentTypeSchema>
 </file>
 
-<file path=customXml/itemProps1.xml><?xml version="1.0" encoding="utf-8"?>
-<ds:datastoreItem xmlns:ds="http://schemas.openxmlformats.org/officeDocument/2006/customXml" ds:itemID="{8F3CD65D-61A5-43C9-A837-6EC73C7DA8AB}">
-  <ds:schemaRefs>
-    <ds:schemaRef ds:uri="http://schemas.microsoft.com/office/2006/metadata/properties"/>
-    <ds:schemaRef ds:uri="http://schemas.microsoft.com/office/infopath/2007/PartnerControls"/>
-    <ds:schemaRef ds:uri="71af3243-3dd4-4a8d-8c0d-dd76da1f02a5"/>
-  </ds:schemaRefs>
-</ds:datastoreItem>
+<file path=customXml/item2.xml><?xml version="1.0" encoding="utf-8"?>
+<?mso-contentType ?>
+<FormTemplates xmlns="http://schemas.microsoft.com/sharepoint/v3/contenttype/forms">
+  <Display>DocumentLibraryForm</Display>
+  <Edit>DocumentLibraryForm</Edit>
+  <New>DocumentLibraryForm</New>
+</FormTemplates>
 </file>
 
-<file path=customXml/itemProps2.xml><?xml version="1.0" encoding="utf-8"?>
-<ds:datastoreItem xmlns:ds="http://schemas.openxmlformats.org/officeDocument/2006/customXml" ds:itemID="{31F006B4-A9E1-4F39-85C8-FB836F919348}">
-  <ds:schemaRefs>
-    <ds:schemaRef ds:uri="http://schemas.microsoft.com/sharepoint/v3/contenttype/forms"/>
-  </ds:schemaRefs>
-</ds:datastoreItem>
+<file path=customXml/item3.xml><?xml version="1.0" encoding="utf-8"?>
+<p:properties xmlns:p="http://schemas.microsoft.com/office/2006/metadata/properties" xmlns:xsi="http://www.w3.org/2001/XMLSchema-instance" xmlns:pc="http://schemas.microsoft.com/office/infopath/2007/PartnerControls">
+  <documentManagement>
+    <Status xmlns="71af3243-3dd4-4a8d-8c0d-dd76da1f02a5">Not started</Status>
+    <MediaServiceKeyPoints xmlns="71af3243-3dd4-4a8d-8c0d-dd76da1f02a5" xsi:nil="true"/>
+  </documentManagement>
+</p:properties>
 </file>
 
-<file path=customXml/itemProps3.xml><?xml version="1.0" encoding="utf-8"?>
+<file path=customXml/itemProps1.xml><?xml version="1.0" encoding="utf-8"?>
 <ds:datastoreItem xmlns:ds="http://schemas.openxmlformats.org/officeDocument/2006/customXml" ds:itemID="{16377351-63A1-4C2E-8C9A-66CDD70F16AC}">
   <ds:schemaRefs>
     <ds:schemaRef ds:uri="http://schemas.microsoft.com/office/2006/metadata/contentType"/>
@@ -8653,4 +9688,22 @@
     <ds:schemaRef ds:uri="http://schemas.microsoft.com/internal/obd"/>
   </ds:schemaRefs>
 </ds:datastoreItem>
+</file>
+
+<file path=customXml/itemProps2.xml><?xml version="1.0" encoding="utf-8"?>
+<ds:datastoreItem xmlns:ds="http://schemas.openxmlformats.org/officeDocument/2006/customXml" ds:itemID="{31F006B4-A9E1-4F39-85C8-FB836F919348}">
+  <ds:schemaRefs>
+    <ds:schemaRef ds:uri="http://schemas.microsoft.com/sharepoint/v3/contenttype/forms"/>
+  </ds:schemaRefs>
+</ds:datastoreItem>
+</file>
+
+<file path=customXml/itemProps3.xml><?xml version="1.0" encoding="utf-8"?>
+<ds:datastoreItem xmlns:ds="http://schemas.openxmlformats.org/officeDocument/2006/customXml" ds:itemID="{8F3CD65D-61A5-43C9-A837-6EC73C7DA8AB}">
+  <ds:schemaRefs>
+    <ds:schemaRef ds:uri="http://schemas.microsoft.com/office/2006/metadata/properties"/>
+    <ds:schemaRef ds:uri="http://schemas.microsoft.com/office/infopath/2007/PartnerControls"/>
+    <ds:schemaRef ds:uri="71af3243-3dd4-4a8d-8c0d-dd76da1f02a5"/>
+  </ds:schemaRefs>
+</ds:datastoreItem>
 </file>
--- a/Project 4.pptx
+++ b/Project 4.pptx
@@ -18,7 +18,8 @@
     <p:sldId id="311" r:id="rId15"/>
     <p:sldId id="316" r:id="rId16"/>
     <p:sldId id="317" r:id="rId17"/>
-    <p:sldId id="313" r:id="rId18"/>
+    <p:sldId id="321" r:id="rId18"/>
+    <p:sldId id="313" r:id="rId19"/>
   </p:sldIdLst>
   <p:sldSz cx="12192000" cy="6858000"/>
   <p:notesSz cx="6858000" cy="9144000"/>
@@ -7048,6 +7049,309 @@
           <p:cNvPr id="2" name="Title 1">
             <a:extLst>
               <a:ext uri="{FF2B5EF4-FFF2-40B4-BE49-F238E27FC236}">
+                <a16:creationId xmlns:a16="http://schemas.microsoft.com/office/drawing/2014/main" id="{F0B3113E-326C-7A8F-23A9-74CA1E37BCF1}"/>
+              </a:ext>
+            </a:extLst>
+          </p:cNvPr>
+          <p:cNvSpPr>
+            <a:spLocks noGrp="1"/>
+          </p:cNvSpPr>
+          <p:nvPr>
+            <p:ph type="title"/>
+          </p:nvPr>
+        </p:nvSpPr>
+        <p:spPr>
+          <a:xfrm>
+            <a:off x="0" y="65314"/>
+            <a:ext cx="6910251" cy="953589"/>
+          </a:xfrm>
+        </p:spPr>
+        <p:txBody>
+          <a:bodyPr/>
+          <a:lstStyle/>
+          <a:p>
+            <a:r>
+              <a:rPr lang="en-AU" dirty="0" err="1"/>
+              <a:t>Resedential</a:t>
+            </a:r>
+            <a:r>
+              <a:rPr lang="en-AU" dirty="0"/>
+              <a:t> house price index</a:t>
+            </a:r>
+          </a:p>
+        </p:txBody>
+      </p:sp>
+      <p:pic>
+        <p:nvPicPr>
+          <p:cNvPr id="7" name="Content Placeholder 6">
+            <a:extLst>
+              <a:ext uri="{FF2B5EF4-FFF2-40B4-BE49-F238E27FC236}">
+                <a16:creationId xmlns:a16="http://schemas.microsoft.com/office/drawing/2014/main" id="{6C6BEAC1-3453-5BE5-9D95-248F80E6881D}"/>
+              </a:ext>
+            </a:extLst>
+          </p:cNvPr>
+          <p:cNvPicPr>
+            <a:picLocks noGrp="1" noChangeAspect="1"/>
+          </p:cNvPicPr>
+          <p:nvPr>
+            <p:ph idx="1"/>
+          </p:nvPr>
+        </p:nvPicPr>
+        <p:blipFill>
+          <a:blip r:embed="rId2"/>
+          <a:stretch>
+            <a:fillRect/>
+          </a:stretch>
+        </p:blipFill>
+        <p:spPr>
+          <a:xfrm>
+            <a:off x="7068871" y="141537"/>
+            <a:ext cx="4876800" cy="3214567"/>
+          </a:xfrm>
+        </p:spPr>
+      </p:pic>
+      <p:pic>
+        <p:nvPicPr>
+          <p:cNvPr id="5" name="Picture 4">
+            <a:extLst>
+              <a:ext uri="{FF2B5EF4-FFF2-40B4-BE49-F238E27FC236}">
+                <a16:creationId xmlns:a16="http://schemas.microsoft.com/office/drawing/2014/main" id="{B538CA5B-9033-C5A6-D84C-D8552B028BEA}"/>
+              </a:ext>
+            </a:extLst>
+          </p:cNvPr>
+          <p:cNvPicPr>
+            <a:picLocks noChangeAspect="1"/>
+          </p:cNvPicPr>
+          <p:nvPr/>
+        </p:nvPicPr>
+        <p:blipFill>
+          <a:blip r:embed="rId3"/>
+          <a:stretch>
+            <a:fillRect/>
+          </a:stretch>
+        </p:blipFill>
+        <p:spPr>
+          <a:xfrm>
+            <a:off x="158620" y="1018903"/>
+            <a:ext cx="5622215" cy="1745087"/>
+          </a:xfrm>
+          <a:prstGeom prst="rect">
+            <a:avLst/>
+          </a:prstGeom>
+        </p:spPr>
+      </p:pic>
+      <p:sp>
+        <p:nvSpPr>
+          <p:cNvPr id="8" name="TextBox 7">
+            <a:extLst>
+              <a:ext uri="{FF2B5EF4-FFF2-40B4-BE49-F238E27FC236}">
+                <a16:creationId xmlns:a16="http://schemas.microsoft.com/office/drawing/2014/main" id="{B1D8764E-2132-9BCA-EFC6-43C1C1458430}"/>
+              </a:ext>
+            </a:extLst>
+          </p:cNvPr>
+          <p:cNvSpPr txBox="1"/>
+          <p:nvPr/>
+        </p:nvSpPr>
+        <p:spPr>
+          <a:xfrm>
+            <a:off x="6714307" y="3356104"/>
+            <a:ext cx="5585927" cy="369332"/>
+          </a:xfrm>
+          <a:prstGeom prst="rect">
+            <a:avLst/>
+          </a:prstGeom>
+          <a:noFill/>
+        </p:spPr>
+        <p:txBody>
+          <a:bodyPr wrap="square" rtlCol="0">
+            <a:spAutoFit/>
+          </a:bodyPr>
+          <a:lstStyle/>
+          <a:p>
+            <a:r>
+              <a:rPr lang="en-AU" dirty="0"/>
+              <a:t>Weighted average of % change for the eight capital cities</a:t>
+            </a:r>
+          </a:p>
+        </p:txBody>
+      </p:sp>
+      <p:sp>
+        <p:nvSpPr>
+          <p:cNvPr id="9" name="TextBox 8">
+            <a:extLst>
+              <a:ext uri="{FF2B5EF4-FFF2-40B4-BE49-F238E27FC236}">
+                <a16:creationId xmlns:a16="http://schemas.microsoft.com/office/drawing/2014/main" id="{675E8BA4-1572-3681-4D27-D350AF704A54}"/>
+              </a:ext>
+            </a:extLst>
+          </p:cNvPr>
+          <p:cNvSpPr txBox="1"/>
+          <p:nvPr/>
+        </p:nvSpPr>
+        <p:spPr>
+          <a:xfrm>
+            <a:off x="242596" y="2864498"/>
+            <a:ext cx="5374433" cy="923330"/>
+          </a:xfrm>
+          <a:prstGeom prst="rect">
+            <a:avLst/>
+          </a:prstGeom>
+          <a:noFill/>
+        </p:spPr>
+        <p:txBody>
+          <a:bodyPr wrap="square" rtlCol="0">
+            <a:spAutoFit/>
+          </a:bodyPr>
+          <a:lstStyle/>
+          <a:p>
+            <a:r>
+              <a:rPr lang="en-AU" dirty="0"/>
+              <a:t>Chose to work with % increase data because house price numbers are complicated. quarterly data allows us to view seasonal trends.</a:t>
+            </a:r>
+          </a:p>
+        </p:txBody>
+      </p:sp>
+      <p:pic>
+        <p:nvPicPr>
+          <p:cNvPr id="2050" name="Picture 2">
+            <a:extLst>
+              <a:ext uri="{FF2B5EF4-FFF2-40B4-BE49-F238E27FC236}">
+                <a16:creationId xmlns:a16="http://schemas.microsoft.com/office/drawing/2014/main" id="{5A0DEFA8-702B-4B90-BA46-1733B5876208}"/>
+              </a:ext>
+            </a:extLst>
+          </p:cNvPr>
+          <p:cNvPicPr>
+            <a:picLocks noChangeAspect="1" noChangeArrowheads="1"/>
+          </p:cNvPicPr>
+          <p:nvPr/>
+        </p:nvPicPr>
+        <p:blipFill>
+          <a:blip r:embed="rId4">
+            <a:extLst>
+              <a:ext uri="{28A0092B-C50C-407E-A947-70E740481C1C}">
+                <a14:useLocalDpi xmlns:a14="http://schemas.microsoft.com/office/drawing/2010/main" val="0"/>
+              </a:ext>
+            </a:extLst>
+          </a:blip>
+          <a:srcRect/>
+          <a:stretch>
+            <a:fillRect/>
+          </a:stretch>
+        </p:blipFill>
+        <p:spPr bwMode="auto">
+          <a:xfrm>
+            <a:off x="0" y="4303396"/>
+            <a:ext cx="4727435" cy="2489290"/>
+          </a:xfrm>
+          <a:prstGeom prst="rect">
+            <a:avLst/>
+          </a:prstGeom>
+          <a:noFill/>
+          <a:extLst>
+            <a:ext uri="{909E8E84-426E-40DD-AFC4-6F175D3DCCD1}">
+              <a14:hiddenFill xmlns:a14="http://schemas.microsoft.com/office/drawing/2010/main">
+                <a:solidFill>
+                  <a:srgbClr val="FFFFFF"/>
+                </a:solidFill>
+              </a14:hiddenFill>
+            </a:ext>
+          </a:extLst>
+        </p:spPr>
+      </p:pic>
+      <p:pic>
+        <p:nvPicPr>
+          <p:cNvPr id="13" name="Picture 12">
+            <a:extLst>
+              <a:ext uri="{FF2B5EF4-FFF2-40B4-BE49-F238E27FC236}">
+                <a16:creationId xmlns:a16="http://schemas.microsoft.com/office/drawing/2014/main" id="{5A1059B9-9AA9-4C50-1ACD-ACCD45E723FE}"/>
+              </a:ext>
+            </a:extLst>
+          </p:cNvPr>
+          <p:cNvPicPr>
+            <a:picLocks noChangeAspect="1"/>
+          </p:cNvPicPr>
+          <p:nvPr/>
+        </p:nvPicPr>
+        <p:blipFill>
+          <a:blip r:embed="rId5"/>
+          <a:stretch>
+            <a:fillRect/>
+          </a:stretch>
+        </p:blipFill>
+        <p:spPr>
+          <a:xfrm>
+            <a:off x="4276605" y="3782184"/>
+            <a:ext cx="3887681" cy="2384275"/>
+          </a:xfrm>
+          <a:prstGeom prst="rect">
+            <a:avLst/>
+          </a:prstGeom>
+        </p:spPr>
+      </p:pic>
+      <p:pic>
+        <p:nvPicPr>
+          <p:cNvPr id="15" name="Picture 14">
+            <a:extLst>
+              <a:ext uri="{FF2B5EF4-FFF2-40B4-BE49-F238E27FC236}">
+                <a16:creationId xmlns:a16="http://schemas.microsoft.com/office/drawing/2014/main" id="{1F20D5ED-8072-5CE5-A289-B356D3132425}"/>
+              </a:ext>
+            </a:extLst>
+          </p:cNvPr>
+          <p:cNvPicPr>
+            <a:picLocks noChangeAspect="1"/>
+          </p:cNvPicPr>
+          <p:nvPr/>
+        </p:nvPicPr>
+        <p:blipFill>
+          <a:blip r:embed="rId6"/>
+          <a:stretch>
+            <a:fillRect/>
+          </a:stretch>
+        </p:blipFill>
+        <p:spPr>
+          <a:xfrm>
+            <a:off x="8052318" y="4676802"/>
+            <a:ext cx="4016772" cy="2039661"/>
+          </a:xfrm>
+          <a:prstGeom prst="rect">
+            <a:avLst/>
+          </a:prstGeom>
+        </p:spPr>
+      </p:pic>
+    </p:spTree>
+    <p:extLst>
+      <p:ext uri="{BB962C8B-B14F-4D97-AF65-F5344CB8AC3E}">
+        <p14:creationId xmlns:p14="http://schemas.microsoft.com/office/powerpoint/2010/main" val="3117765057"/>
+      </p:ext>
+    </p:extLst>
+  </p:cSld>
+  <p:clrMapOvr>
+    <a:masterClrMapping/>
+  </p:clrMapOvr>
+</p:sld>
+</file>
+
+<file path=ppt/slides/slide15.xml><?xml version="1.0" encoding="utf-8"?>
+<p:sld xmlns:a="http://schemas.openxmlformats.org/drawingml/2006/main" xmlns:r="http://schemas.openxmlformats.org/officeDocument/2006/relationships" xmlns:p="http://schemas.openxmlformats.org/presentationml/2006/main">
+  <p:cSld>
+    <p:spTree>
+      <p:nvGrpSpPr>
+        <p:cNvPr id="1" name=""/>
+        <p:cNvGrpSpPr/>
+        <p:nvPr/>
+      </p:nvGrpSpPr>
+      <p:grpSpPr>
+        <a:xfrm>
+          <a:off x="0" y="0"/>
+          <a:ext cx="0" cy="0"/>
+          <a:chOff x="0" y="0"/>
+          <a:chExt cx="0" cy="0"/>
+        </a:xfrm>
+      </p:grpSpPr>
+      <p:sp>
+        <p:nvSpPr>
+          <p:cNvPr id="2" name="Title 1">
+            <a:extLst>
+              <a:ext uri="{FF2B5EF4-FFF2-40B4-BE49-F238E27FC236}">
                 <a16:creationId xmlns:a16="http://schemas.microsoft.com/office/drawing/2014/main" id="{F86EC03D-717F-77A3-7EBF-BF54442A15A2}"/>
               </a:ext>
             </a:extLst>
